--- a/trunk/BDIntro/平安银行/平安银行新一贷互联网平台合作方案.pptx
+++ b/trunk/BDIntro/平安银行/平安银行新一贷互联网平台合作方案.pptx
@@ -122,7 +122,7 @@
   </p:defaultTextStyle>
   <p:extLst>
     <p:ext uri="{EFAFB233-063F-42B5-8137-9DF3F51BA10A}">
-      <p15:sldGuideLst xmlns="" xmlns:p15="http://schemas.microsoft.com/office/powerpoint/2012/main">
+      <p15:sldGuideLst xmlns:p15="http://schemas.microsoft.com/office/powerpoint/2012/main">
         <p15:guide id="1" orient="horz" pos="2884" userDrawn="1">
           <p15:clr>
             <a:srgbClr val="A4A3A4"/>
@@ -146,7 +146,18 @@
       </p15:sldGuideLst>
     </p:ext>
     <p:ext uri="{2D200454-40CA-4A62-9FC3-DE9A4176ACB9}">
-      <p15:notesGuideLst xmlns="" xmlns:p15="http://schemas.microsoft.com/office/powerpoint/2012/main"/>
+      <p15:notesGuideLst xmlns:p15="http://schemas.microsoft.com/office/powerpoint/2012/main">
+        <p15:guide id="1" orient="horz" pos="3127">
+          <p15:clr>
+            <a:srgbClr val="A4A3A4"/>
+          </p15:clr>
+        </p15:guide>
+        <p15:guide id="2" pos="2141">
+          <p15:clr>
+            <a:srgbClr val="A4A3A4"/>
+          </p15:clr>
+        </p15:guide>
+      </p15:notesGuideLst>
     </p:ext>
   </p:extLst>
 </p:presentation>
@@ -921,7 +932,7 @@
         <a:lstStyle/>
         <a:p>
           <a:r>
-            <a:rPr lang="zh-CN" altLang="en-US" sz="2000" b="1" smtClean="0">
+            <a:rPr lang="zh-CN" altLang="en-US" sz="2000" b="1">
               <a:solidFill>
                 <a:srgbClr val="F6882E"/>
               </a:solidFill>
@@ -930,13 +941,6 @@
             </a:rPr>
             <a:t>电话外呼</a:t>
           </a:r>
-          <a:endParaRPr lang="zh-CN" altLang="en-US" sz="2000" b="1">
-            <a:solidFill>
-              <a:srgbClr val="F6882E"/>
-            </a:solidFill>
-            <a:latin typeface="微软雅黑" panose="020B0503020204020204" pitchFamily="34" charset="-122"/>
-            <a:ea typeface="微软雅黑" panose="020B0503020204020204" pitchFamily="34" charset="-122"/>
-          </a:endParaRPr>
         </a:p>
       </dgm:t>
     </dgm:pt>
@@ -970,7 +974,7 @@
         <a:lstStyle/>
         <a:p>
           <a:r>
-            <a:rPr lang="zh-CN" altLang="en-US" sz="2000" b="1" smtClean="0">
+            <a:rPr lang="zh-CN" altLang="en-US" sz="2000" b="1">
               <a:solidFill>
                 <a:srgbClr val="F6882E"/>
               </a:solidFill>
@@ -979,13 +983,6 @@
             </a:rPr>
             <a:t>资料回传</a:t>
           </a:r>
-          <a:endParaRPr lang="zh-CN" altLang="en-US" sz="2000" b="1">
-            <a:solidFill>
-              <a:srgbClr val="F6882E"/>
-            </a:solidFill>
-            <a:latin typeface="微软雅黑" panose="020B0503020204020204" pitchFamily="34" charset="-122"/>
-            <a:ea typeface="微软雅黑" panose="020B0503020204020204" pitchFamily="34" charset="-122"/>
-          </a:endParaRPr>
         </a:p>
       </dgm:t>
     </dgm:pt>
@@ -1019,7 +1016,7 @@
         <a:lstStyle/>
         <a:p>
           <a:r>
-            <a:rPr lang="zh-CN" altLang="en-US" sz="2000" b="1" smtClean="0">
+            <a:rPr lang="zh-CN" altLang="en-US" sz="2000" b="1">
               <a:solidFill>
                 <a:srgbClr val="F6882E"/>
               </a:solidFill>
@@ -1028,13 +1025,6 @@
             </a:rPr>
             <a:t>个贷审批</a:t>
           </a:r>
-          <a:endParaRPr lang="zh-CN" altLang="en-US" sz="2000" b="1">
-            <a:solidFill>
-              <a:srgbClr val="F6882E"/>
-            </a:solidFill>
-            <a:latin typeface="微软雅黑" panose="020B0503020204020204" pitchFamily="34" charset="-122"/>
-            <a:ea typeface="微软雅黑" panose="020B0503020204020204" pitchFamily="34" charset="-122"/>
-          </a:endParaRPr>
         </a:p>
       </dgm:t>
     </dgm:pt>
@@ -1068,7 +1058,7 @@
         <a:lstStyle/>
         <a:p>
           <a:r>
-            <a:rPr lang="zh-CN" altLang="en-US" sz="2000" b="1" smtClean="0">
+            <a:rPr lang="zh-CN" altLang="en-US" sz="2000" b="1">
               <a:solidFill>
                 <a:srgbClr val="F6882E"/>
               </a:solidFill>
@@ -1077,13 +1067,6 @@
             </a:rPr>
             <a:t>预约面签</a:t>
           </a:r>
-          <a:endParaRPr lang="zh-CN" altLang="en-US" sz="2000" b="1">
-            <a:solidFill>
-              <a:srgbClr val="F6882E"/>
-            </a:solidFill>
-            <a:latin typeface="微软雅黑" panose="020B0503020204020204" pitchFamily="34" charset="-122"/>
-            <a:ea typeface="微软雅黑" panose="020B0503020204020204" pitchFamily="34" charset="-122"/>
-          </a:endParaRPr>
         </a:p>
       </dgm:t>
     </dgm:pt>
@@ -1117,16 +1100,12 @@
         <a:lstStyle/>
         <a:p>
           <a:r>
-            <a:rPr lang="zh-CN" altLang="en-US" sz="2000" b="1" smtClean="0">
+            <a:rPr lang="zh-CN" altLang="en-US" sz="2000" b="1">
               <a:latin typeface="微软雅黑" panose="020B0503020204020204" pitchFamily="34" charset="-122"/>
               <a:ea typeface="微软雅黑" panose="020B0503020204020204" pitchFamily="34" charset="-122"/>
             </a:rPr>
             <a:t>出账放款</a:t>
           </a:r>
-          <a:endParaRPr lang="zh-CN" altLang="en-US" sz="2000" b="1">
-            <a:latin typeface="微软雅黑" panose="020B0503020204020204" pitchFamily="34" charset="-122"/>
-            <a:ea typeface="微软雅黑" panose="020B0503020204020204" pitchFamily="34" charset="-122"/>
-          </a:endParaRPr>
         </a:p>
       </dgm:t>
     </dgm:pt>
@@ -1161,13 +1140,6 @@
         </dgm:presLayoutVars>
       </dgm:prSet>
       <dgm:spPr/>
-      <dgm:t>
-        <a:bodyPr/>
-        <a:lstStyle/>
-        <a:p>
-          <a:endParaRPr lang="zh-CN" altLang="en-US"/>
-        </a:p>
-      </dgm:t>
     </dgm:pt>
     <dgm:pt modelId="{2B745AAF-CFA7-4408-BEB3-3338D4CDA1D2}" type="pres">
       <dgm:prSet presAssocID="{283FA520-C089-4466-B7DE-B4042610A8EB}" presName="chaos" presStyleCnt="0"/>
@@ -1176,13 +1148,6 @@
     <dgm:pt modelId="{4D7E4C47-EFAB-4185-BA7C-29E1187DA83C}" type="pres">
       <dgm:prSet presAssocID="{283FA520-C089-4466-B7DE-B4042610A8EB}" presName="parTx1" presStyleLbl="revTx" presStyleIdx="0" presStyleCnt="4"/>
       <dgm:spPr/>
-      <dgm:t>
-        <a:bodyPr/>
-        <a:lstStyle/>
-        <a:p>
-          <a:endParaRPr lang="zh-CN" altLang="en-US"/>
-        </a:p>
-      </dgm:t>
     </dgm:pt>
     <dgm:pt modelId="{56D12507-1DD0-4A8F-88F6-5C9A52715E5E}" type="pres">
       <dgm:prSet presAssocID="{283FA520-C089-4466-B7DE-B4042610A8EB}" presName="c1" presStyleLbl="node1" presStyleIdx="0" presStyleCnt="19"/>
@@ -1275,13 +1240,6 @@
     <dgm:pt modelId="{C5F03B2F-00D3-48AF-8649-6CDB6351F0FD}" type="pres">
       <dgm:prSet presAssocID="{5F0F1C04-8267-41FD-90A9-68077739F33B}" presName="parTxMid" presStyleLbl="revTx" presStyleIdx="1" presStyleCnt="4"/>
       <dgm:spPr/>
-      <dgm:t>
-        <a:bodyPr/>
-        <a:lstStyle/>
-        <a:p>
-          <a:endParaRPr lang="zh-CN" altLang="en-US"/>
-        </a:p>
-      </dgm:t>
     </dgm:pt>
     <dgm:pt modelId="{34381127-47C6-43C7-9868-FCE187C2EAA6}" type="pres">
       <dgm:prSet presAssocID="{5F0F1C04-8267-41FD-90A9-68077739F33B}" presName="spMid" presStyleCnt="0"/>
@@ -1306,13 +1264,6 @@
     <dgm:pt modelId="{C2B7E997-D84A-4163-88B5-1F2B064BCD67}" type="pres">
       <dgm:prSet presAssocID="{D3D5BC2D-DF33-4CDE-8BCF-43C427FA1900}" presName="parTxMid" presStyleLbl="revTx" presStyleIdx="2" presStyleCnt="4"/>
       <dgm:spPr/>
-      <dgm:t>
-        <a:bodyPr/>
-        <a:lstStyle/>
-        <a:p>
-          <a:endParaRPr lang="zh-CN" altLang="en-US"/>
-        </a:p>
-      </dgm:t>
     </dgm:pt>
     <dgm:pt modelId="{B86849B7-9A54-400C-AAFE-46F57DCB8451}" type="pres">
       <dgm:prSet presAssocID="{D3D5BC2D-DF33-4CDE-8BCF-43C427FA1900}" presName="spMid" presStyleCnt="0"/>
@@ -1337,13 +1288,6 @@
     <dgm:pt modelId="{4DE2693F-41DE-4944-8653-57B4390C1386}" type="pres">
       <dgm:prSet presAssocID="{7E6E800E-9540-449B-91F7-85E7F0A126E3}" presName="parTxMid" presStyleLbl="revTx" presStyleIdx="3" presStyleCnt="4"/>
       <dgm:spPr/>
-      <dgm:t>
-        <a:bodyPr/>
-        <a:lstStyle/>
-        <a:p>
-          <a:endParaRPr lang="zh-CN" altLang="en-US"/>
-        </a:p>
-      </dgm:t>
     </dgm:pt>
     <dgm:pt modelId="{E2DAEAEC-4161-4E69-8B58-E025AAF3A784}" type="pres">
       <dgm:prSet presAssocID="{7E6E800E-9540-449B-91F7-85E7F0A126E3}" presName="spMid" presStyleCnt="0"/>
@@ -1368,13 +1312,6 @@
     <dgm:pt modelId="{A83EC85C-5B47-4763-AB87-0E229F3A150B}" type="pres">
       <dgm:prSet presAssocID="{0ABD8558-38C9-43FD-B4AD-33485947B416}" presName="circleTx" presStyleLbl="node1" presStyleIdx="18" presStyleCnt="19" custScaleX="95117"/>
       <dgm:spPr/>
-      <dgm:t>
-        <a:bodyPr/>
-        <a:lstStyle/>
-        <a:p>
-          <a:endParaRPr lang="zh-CN" altLang="en-US"/>
-        </a:p>
-      </dgm:t>
     </dgm:pt>
     <dgm:pt modelId="{651EBFEE-0F22-40FB-90D1-EEB2320E053B}" type="pres">
       <dgm:prSet presAssocID="{0ABD8558-38C9-43FD-B4AD-33485947B416}" presName="spN" presStyleCnt="0"/>
@@ -1382,17 +1319,17 @@
     </dgm:pt>
   </dgm:ptLst>
   <dgm:cxnLst>
+    <dgm:cxn modelId="{CFFFAA0E-B751-4B5F-8A35-4035EC067421}" srcId="{3F97BF8A-3787-411A-8EF1-2AAAA9AADEB9}" destId="{D3D5BC2D-DF33-4CDE-8BCF-43C427FA1900}" srcOrd="2" destOrd="0" parTransId="{DB277359-04DA-483D-A245-905140A82B9E}" sibTransId="{440D19DD-4BDE-4ECD-AB36-7D9D5B130B9A}"/>
+    <dgm:cxn modelId="{0B673A0F-72A3-47AB-94BE-B50772739201}" srcId="{3F97BF8A-3787-411A-8EF1-2AAAA9AADEB9}" destId="{0ABD8558-38C9-43FD-B4AD-33485947B416}" srcOrd="4" destOrd="0" parTransId="{F6495586-72ED-4888-8ABB-789D357D2EAB}" sibTransId="{3BFE0603-B3FC-47EE-9223-38AFFE318685}"/>
+    <dgm:cxn modelId="{0F4B9744-C0FE-46D0-A5C9-6EA2CD598813}" type="presOf" srcId="{5F0F1C04-8267-41FD-90A9-68077739F33B}" destId="{C5F03B2F-00D3-48AF-8649-6CDB6351F0FD}" srcOrd="0" destOrd="0" presId="urn:microsoft.com/office/officeart/2009/3/layout/RandomtoResultProcess"/>
+    <dgm:cxn modelId="{7CF0A264-9A73-4839-93E3-26D02454CE50}" srcId="{3F97BF8A-3787-411A-8EF1-2AAAA9AADEB9}" destId="{283FA520-C089-4466-B7DE-B4042610A8EB}" srcOrd="0" destOrd="0" parTransId="{2710A184-B8E0-4113-84FA-CFC5AA0E0A57}" sibTransId="{9735F321-6184-4E7E-A9DD-0FC9AD18BDDB}"/>
+    <dgm:cxn modelId="{C1BEB54E-FEC3-45EB-9956-271BE2B07B55}" srcId="{3F97BF8A-3787-411A-8EF1-2AAAA9AADEB9}" destId="{7E6E800E-9540-449B-91F7-85E7F0A126E3}" srcOrd="3" destOrd="0" parTransId="{5CCDC15C-A684-456A-A469-927E181C251D}" sibTransId="{AAB3C936-3847-490B-B143-F3D021DFC99A}"/>
+    <dgm:cxn modelId="{671D1F9C-C21E-4F6D-ACE9-1C1A84D90165}" srcId="{3F97BF8A-3787-411A-8EF1-2AAAA9AADEB9}" destId="{5F0F1C04-8267-41FD-90A9-68077739F33B}" srcOrd="1" destOrd="0" parTransId="{B16D7508-557B-41C1-9396-23941FE43868}" sibTransId="{7A62E81E-EC5D-4D99-9306-3B5B5602AF36}"/>
+    <dgm:cxn modelId="{8B4ADCA0-5DF4-42FC-9CA1-B459AB59A4E5}" type="presOf" srcId="{283FA520-C089-4466-B7DE-B4042610A8EB}" destId="{4D7E4C47-EFAB-4185-BA7C-29E1187DA83C}" srcOrd="0" destOrd="0" presId="urn:microsoft.com/office/officeart/2009/3/layout/RandomtoResultProcess"/>
+    <dgm:cxn modelId="{2AA0E0A8-86BA-4A2B-855B-B12D0D263871}" type="presOf" srcId="{3F97BF8A-3787-411A-8EF1-2AAAA9AADEB9}" destId="{92F698CB-B482-43C8-BBD8-F46086854A0D}" srcOrd="0" destOrd="0" presId="urn:microsoft.com/office/officeart/2009/3/layout/RandomtoResultProcess"/>
+    <dgm:cxn modelId="{4A0940B3-E4A0-4B62-B549-3D2E58382E9E}" type="presOf" srcId="{0ABD8558-38C9-43FD-B4AD-33485947B416}" destId="{A83EC85C-5B47-4763-AB87-0E229F3A150B}" srcOrd="0" destOrd="0" presId="urn:microsoft.com/office/officeart/2009/3/layout/RandomtoResultProcess"/>
     <dgm:cxn modelId="{E9E15ACA-12AE-4568-A12E-F536733915EF}" type="presOf" srcId="{7E6E800E-9540-449B-91F7-85E7F0A126E3}" destId="{4DE2693F-41DE-4944-8653-57B4390C1386}" srcOrd="0" destOrd="0" presId="urn:microsoft.com/office/officeart/2009/3/layout/RandomtoResultProcess"/>
-    <dgm:cxn modelId="{0F4B9744-C0FE-46D0-A5C9-6EA2CD598813}" type="presOf" srcId="{5F0F1C04-8267-41FD-90A9-68077739F33B}" destId="{C5F03B2F-00D3-48AF-8649-6CDB6351F0FD}" srcOrd="0" destOrd="0" presId="urn:microsoft.com/office/officeart/2009/3/layout/RandomtoResultProcess"/>
-    <dgm:cxn modelId="{8B4ADCA0-5DF4-42FC-9CA1-B459AB59A4E5}" type="presOf" srcId="{283FA520-C089-4466-B7DE-B4042610A8EB}" destId="{4D7E4C47-EFAB-4185-BA7C-29E1187DA83C}" srcOrd="0" destOrd="0" presId="urn:microsoft.com/office/officeart/2009/3/layout/RandomtoResultProcess"/>
-    <dgm:cxn modelId="{C1BEB54E-FEC3-45EB-9956-271BE2B07B55}" srcId="{3F97BF8A-3787-411A-8EF1-2AAAA9AADEB9}" destId="{7E6E800E-9540-449B-91F7-85E7F0A126E3}" srcOrd="3" destOrd="0" parTransId="{5CCDC15C-A684-456A-A469-927E181C251D}" sibTransId="{AAB3C936-3847-490B-B143-F3D021DFC99A}"/>
     <dgm:cxn modelId="{516367DE-A05F-4016-AF00-2B41CC39A8B4}" type="presOf" srcId="{D3D5BC2D-DF33-4CDE-8BCF-43C427FA1900}" destId="{C2B7E997-D84A-4163-88B5-1F2B064BCD67}" srcOrd="0" destOrd="0" presId="urn:microsoft.com/office/officeart/2009/3/layout/RandomtoResultProcess"/>
-    <dgm:cxn modelId="{CFFFAA0E-B751-4B5F-8A35-4035EC067421}" srcId="{3F97BF8A-3787-411A-8EF1-2AAAA9AADEB9}" destId="{D3D5BC2D-DF33-4CDE-8BCF-43C427FA1900}" srcOrd="2" destOrd="0" parTransId="{DB277359-04DA-483D-A245-905140A82B9E}" sibTransId="{440D19DD-4BDE-4ECD-AB36-7D9D5B130B9A}"/>
-    <dgm:cxn modelId="{4A0940B3-E4A0-4B62-B549-3D2E58382E9E}" type="presOf" srcId="{0ABD8558-38C9-43FD-B4AD-33485947B416}" destId="{A83EC85C-5B47-4763-AB87-0E229F3A150B}" srcOrd="0" destOrd="0" presId="urn:microsoft.com/office/officeart/2009/3/layout/RandomtoResultProcess"/>
-    <dgm:cxn modelId="{671D1F9C-C21E-4F6D-ACE9-1C1A84D90165}" srcId="{3F97BF8A-3787-411A-8EF1-2AAAA9AADEB9}" destId="{5F0F1C04-8267-41FD-90A9-68077739F33B}" srcOrd="1" destOrd="0" parTransId="{B16D7508-557B-41C1-9396-23941FE43868}" sibTransId="{7A62E81E-EC5D-4D99-9306-3B5B5602AF36}"/>
-    <dgm:cxn modelId="{2AA0E0A8-86BA-4A2B-855B-B12D0D263871}" type="presOf" srcId="{3F97BF8A-3787-411A-8EF1-2AAAA9AADEB9}" destId="{92F698CB-B482-43C8-BBD8-F46086854A0D}" srcOrd="0" destOrd="0" presId="urn:microsoft.com/office/officeart/2009/3/layout/RandomtoResultProcess"/>
-    <dgm:cxn modelId="{0B673A0F-72A3-47AB-94BE-B50772739201}" srcId="{3F97BF8A-3787-411A-8EF1-2AAAA9AADEB9}" destId="{0ABD8558-38C9-43FD-B4AD-33485947B416}" srcOrd="4" destOrd="0" parTransId="{F6495586-72ED-4888-8ABB-789D357D2EAB}" sibTransId="{3BFE0603-B3FC-47EE-9223-38AFFE318685}"/>
-    <dgm:cxn modelId="{7CF0A264-9A73-4839-93E3-26D02454CE50}" srcId="{3F97BF8A-3787-411A-8EF1-2AAAA9AADEB9}" destId="{283FA520-C089-4466-B7DE-B4042610A8EB}" srcOrd="0" destOrd="0" parTransId="{2710A184-B8E0-4113-84FA-CFC5AA0E0A57}" sibTransId="{9735F321-6184-4E7E-A9DD-0FC9AD18BDDB}"/>
     <dgm:cxn modelId="{B13CA3CD-BC5A-45A8-9B79-B1F2D7BD04A5}" type="presParOf" srcId="{92F698CB-B482-43C8-BBD8-F46086854A0D}" destId="{2B745AAF-CFA7-4408-BEB3-3338D4CDA1D2}" srcOrd="0" destOrd="0" presId="urn:microsoft.com/office/officeart/2009/3/layout/RandomtoResultProcess"/>
     <dgm:cxn modelId="{720668C4-3A79-4817-9F53-6717082C822C}" type="presParOf" srcId="{2B745AAF-CFA7-4408-BEB3-3338D4CDA1D2}" destId="{4D7E4C47-EFAB-4185-BA7C-29E1187DA83C}" srcOrd="0" destOrd="0" presId="urn:microsoft.com/office/officeart/2009/3/layout/RandomtoResultProcess"/>
     <dgm:cxn modelId="{7FADAD13-8A72-4497-981C-79BDE989B5CE}" type="presParOf" srcId="{2B745AAF-CFA7-4408-BEB3-3338D4CDA1D2}" destId="{56D12507-1DD0-4A8F-88F6-5C9A52715E5E}" srcOrd="1" destOrd="0" presId="urn:microsoft.com/office/officeart/2009/3/layout/RandomtoResultProcess"/>
@@ -1493,7 +1430,7 @@
         </a:bodyPr>
         <a:lstStyle/>
         <a:p>
-          <a:pPr lvl="0" algn="ctr" defTabSz="889000">
+          <a:pPr marL="0" lvl="0" indent="0" algn="ctr" defTabSz="889000">
             <a:lnSpc>
               <a:spcPct val="90000"/>
             </a:lnSpc>
@@ -1503,9 +1440,10 @@
             <a:spcAft>
               <a:spcPct val="35000"/>
             </a:spcAft>
+            <a:buNone/>
           </a:pPr>
           <a:r>
-            <a:rPr lang="zh-CN" altLang="en-US" sz="2000" b="1" kern="1200" smtClean="0">
+            <a:rPr lang="zh-CN" altLang="en-US" sz="2000" b="1" kern="1200">
               <a:solidFill>
                 <a:srgbClr val="F6882E"/>
               </a:solidFill>
@@ -1514,13 +1452,6 @@
             </a:rPr>
             <a:t>电话外呼</a:t>
           </a:r>
-          <a:endParaRPr lang="zh-CN" altLang="en-US" sz="2000" b="1" kern="1200">
-            <a:solidFill>
-              <a:srgbClr val="F6882E"/>
-            </a:solidFill>
-            <a:latin typeface="微软雅黑" panose="020B0503020204020204" pitchFamily="34" charset="-122"/>
-            <a:ea typeface="微软雅黑" panose="020B0503020204020204" pitchFamily="34" charset="-122"/>
-          </a:endParaRPr>
         </a:p>
       </dsp:txBody>
       <dsp:txXfrm>
@@ -2491,7 +2422,7 @@
         </a:bodyPr>
         <a:lstStyle/>
         <a:p>
-          <a:pPr lvl="0" algn="ctr" defTabSz="889000">
+          <a:pPr marL="0" lvl="0" indent="0" algn="ctr" defTabSz="889000">
             <a:lnSpc>
               <a:spcPct val="90000"/>
             </a:lnSpc>
@@ -2501,9 +2432,10 @@
             <a:spcAft>
               <a:spcPct val="35000"/>
             </a:spcAft>
+            <a:buNone/>
           </a:pPr>
           <a:r>
-            <a:rPr lang="zh-CN" altLang="en-US" sz="2000" b="1" kern="1200" smtClean="0">
+            <a:rPr lang="zh-CN" altLang="en-US" sz="2000" b="1" kern="1200">
               <a:solidFill>
                 <a:srgbClr val="F6882E"/>
               </a:solidFill>
@@ -2512,13 +2444,6 @@
             </a:rPr>
             <a:t>资料回传</a:t>
           </a:r>
-          <a:endParaRPr lang="zh-CN" altLang="en-US" sz="2000" b="1" kern="1200">
-            <a:solidFill>
-              <a:srgbClr val="F6882E"/>
-            </a:solidFill>
-            <a:latin typeface="微软雅黑" panose="020B0503020204020204" pitchFamily="34" charset="-122"/>
-            <a:ea typeface="微软雅黑" panose="020B0503020204020204" pitchFamily="34" charset="-122"/>
-          </a:endParaRPr>
         </a:p>
       </dsp:txBody>
       <dsp:txXfrm>
@@ -2607,7 +2532,7 @@
         </a:bodyPr>
         <a:lstStyle/>
         <a:p>
-          <a:pPr lvl="0" algn="ctr" defTabSz="889000">
+          <a:pPr marL="0" lvl="0" indent="0" algn="ctr" defTabSz="889000">
             <a:lnSpc>
               <a:spcPct val="90000"/>
             </a:lnSpc>
@@ -2617,9 +2542,10 @@
             <a:spcAft>
               <a:spcPct val="35000"/>
             </a:spcAft>
+            <a:buNone/>
           </a:pPr>
           <a:r>
-            <a:rPr lang="zh-CN" altLang="en-US" sz="2000" b="1" kern="1200" smtClean="0">
+            <a:rPr lang="zh-CN" altLang="en-US" sz="2000" b="1" kern="1200">
               <a:solidFill>
                 <a:srgbClr val="F6882E"/>
               </a:solidFill>
@@ -2628,13 +2554,6 @@
             </a:rPr>
             <a:t>个贷审批</a:t>
           </a:r>
-          <a:endParaRPr lang="zh-CN" altLang="en-US" sz="2000" b="1" kern="1200">
-            <a:solidFill>
-              <a:srgbClr val="F6882E"/>
-            </a:solidFill>
-            <a:latin typeface="微软雅黑" panose="020B0503020204020204" pitchFamily="34" charset="-122"/>
-            <a:ea typeface="微软雅黑" panose="020B0503020204020204" pitchFamily="34" charset="-122"/>
-          </a:endParaRPr>
         </a:p>
       </dsp:txBody>
       <dsp:txXfrm>
@@ -2723,7 +2642,7 @@
         </a:bodyPr>
         <a:lstStyle/>
         <a:p>
-          <a:pPr lvl="0" algn="ctr" defTabSz="889000">
+          <a:pPr marL="0" lvl="0" indent="0" algn="ctr" defTabSz="889000">
             <a:lnSpc>
               <a:spcPct val="90000"/>
             </a:lnSpc>
@@ -2733,9 +2652,10 @@
             <a:spcAft>
               <a:spcPct val="35000"/>
             </a:spcAft>
+            <a:buNone/>
           </a:pPr>
           <a:r>
-            <a:rPr lang="zh-CN" altLang="en-US" sz="2000" b="1" kern="1200" smtClean="0">
+            <a:rPr lang="zh-CN" altLang="en-US" sz="2000" b="1" kern="1200">
               <a:solidFill>
                 <a:srgbClr val="F6882E"/>
               </a:solidFill>
@@ -2744,13 +2664,6 @@
             </a:rPr>
             <a:t>预约面签</a:t>
           </a:r>
-          <a:endParaRPr lang="zh-CN" altLang="en-US" sz="2000" b="1" kern="1200">
-            <a:solidFill>
-              <a:srgbClr val="F6882E"/>
-            </a:solidFill>
-            <a:latin typeface="微软雅黑" panose="020B0503020204020204" pitchFamily="34" charset="-122"/>
-            <a:ea typeface="微软雅黑" panose="020B0503020204020204" pitchFamily="34" charset="-122"/>
-          </a:endParaRPr>
         </a:p>
       </dsp:txBody>
       <dsp:txXfrm>
@@ -2856,7 +2769,7 @@
         </a:bodyPr>
         <a:lstStyle/>
         <a:p>
-          <a:pPr lvl="0" algn="ctr" defTabSz="889000">
+          <a:pPr marL="0" lvl="0" indent="0" algn="ctr" defTabSz="889000">
             <a:lnSpc>
               <a:spcPct val="90000"/>
             </a:lnSpc>
@@ -2866,18 +2779,15 @@
             <a:spcAft>
               <a:spcPct val="35000"/>
             </a:spcAft>
+            <a:buNone/>
           </a:pPr>
           <a:r>
-            <a:rPr lang="zh-CN" altLang="en-US" sz="2000" b="1" kern="1200" smtClean="0">
+            <a:rPr lang="zh-CN" altLang="en-US" sz="2000" b="1" kern="1200">
               <a:latin typeface="微软雅黑" panose="020B0503020204020204" pitchFamily="34" charset="-122"/>
               <a:ea typeface="微软雅黑" panose="020B0503020204020204" pitchFamily="34" charset="-122"/>
             </a:rPr>
             <a:t>出账放款</a:t>
           </a:r>
-          <a:endParaRPr lang="zh-CN" altLang="en-US" sz="2000" b="1" kern="1200">
-            <a:latin typeface="微软雅黑" panose="020B0503020204020204" pitchFamily="34" charset="-122"/>
-            <a:ea typeface="微软雅黑" panose="020B0503020204020204" pitchFamily="34" charset="-122"/>
-          </a:endParaRPr>
         </a:p>
       </dsp:txBody>
       <dsp:txXfrm>
@@ -4666,7 +4576,7 @@
             <a:fld id="{FDA9715A-FDB3-454A-9571-6E8F25E25DB3}" type="datetimeFigureOut">
               <a:rPr lang="zh-CN" altLang="en-US" smtClean="0"/>
               <a:pPr/>
-              <a:t>2018/1/26</a:t>
+              <a:t>2018/3/9</a:t>
             </a:fld>
             <a:endParaRPr lang="zh-CN" altLang="en-US"/>
           </a:p>
@@ -4834,7 +4744,7 @@
             <a:fld id="{D2A48B96-639E-45A3-A0BA-2464DFDB1FAA}" type="datetimeFigureOut">
               <a:rPr lang="zh-CN" altLang="en-US" smtClean="0"/>
               <a:pPr/>
-              <a:t>2018/1/26</a:t>
+              <a:t>2018/3/9</a:t>
             </a:fld>
             <a:endParaRPr lang="zh-CN" altLang="en-US"/>
           </a:p>
@@ -4898,38 +4808,37 @@
           <a:p>
             <a:pPr lvl="0"/>
             <a:r>
-              <a:rPr lang="zh-CN" altLang="en-US" smtClean="0"/>
+              <a:rPr lang="zh-CN" altLang="en-US"/>
               <a:t>单击此处编辑母版文本样式</a:t>
             </a:r>
           </a:p>
           <a:p>
             <a:pPr lvl="1"/>
             <a:r>
-              <a:rPr lang="zh-CN" altLang="en-US" smtClean="0"/>
+              <a:rPr lang="zh-CN" altLang="en-US"/>
               <a:t>第二级</a:t>
             </a:r>
           </a:p>
           <a:p>
             <a:pPr lvl="2"/>
             <a:r>
-              <a:rPr lang="zh-CN" altLang="en-US" smtClean="0"/>
+              <a:rPr lang="zh-CN" altLang="en-US"/>
               <a:t>第三级</a:t>
             </a:r>
           </a:p>
           <a:p>
             <a:pPr lvl="3"/>
             <a:r>
-              <a:rPr lang="zh-CN" altLang="en-US" smtClean="0"/>
+              <a:rPr lang="zh-CN" altLang="en-US"/>
               <a:t>第四级</a:t>
             </a:r>
           </a:p>
           <a:p>
             <a:pPr lvl="4"/>
             <a:r>
-              <a:rPr lang="zh-CN" altLang="en-US" smtClean="0"/>
+              <a:rPr lang="zh-CN" altLang="en-US"/>
               <a:t>第五级</a:t>
             </a:r>
-            <a:endParaRPr lang="zh-CN" altLang="en-US"/>
           </a:p>
         </p:txBody>
       </p:sp>
@@ -5196,7 +5105,7 @@
           </a:bodyPr>
           <a:lstStyle/>
           <a:p>
-            <a:endParaRPr lang="zh-CN" altLang="en-US" smtClean="0"/>
+            <a:endParaRPr lang="zh-CN" altLang="en-US"/>
           </a:p>
         </p:txBody>
       </p:sp>
@@ -5462,7 +5371,7 @@
             <a:fld id="{148B2DE4-2C19-428B-A1CD-05E4005B394E}" type="datetimeFigureOut">
               <a:rPr lang="zh-CN" altLang="en-US" smtClean="0"/>
               <a:pPr/>
-              <a:t>2018/1/26</a:t>
+              <a:t>2018/3/9</a:t>
             </a:fld>
             <a:endParaRPr lang="zh-CN" altLang="en-US"/>
           </a:p>
@@ -5502,10 +5411,9 @@
           </a:lstStyle>
           <a:p>
             <a:r>
-              <a:rPr lang="zh-CN" altLang="en-US" smtClean="0"/>
+              <a:rPr lang="zh-CN" altLang="en-US"/>
               <a:t>单击此处编辑母版标题样式</a:t>
             </a:r>
-            <a:endParaRPr lang="zh-CN" altLang="en-US"/>
           </a:p>
         </p:txBody>
       </p:sp>
@@ -5548,18 +5456,13 @@
           </a:lstStyle>
           <a:p>
             <a:r>
-              <a:rPr lang="zh-CN" altLang="en-US" sz="2400" smtClean="0">
+              <a:rPr lang="zh-CN" altLang="en-US" sz="2400">
                 <a:solidFill>
                   <a:schemeClr val="bg1"/>
                 </a:solidFill>
               </a:rPr>
               <a:t>零售网络金融事业部</a:t>
             </a:r>
-            <a:endParaRPr lang="zh-CN" altLang="en-US" sz="2400">
-              <a:solidFill>
-                <a:schemeClr val="bg1"/>
-              </a:solidFill>
-            </a:endParaRPr>
           </a:p>
         </p:txBody>
       </p:sp>
@@ -5568,13 +5471,6 @@
   <p:clrMapOvr>
     <a:masterClrMapping/>
   </p:clrMapOvr>
-  <p:timing>
-    <p:tnLst>
-      <p:par>
-        <p:cTn id="1" dur="indefinite" restart="never" nodeType="tmRoot"/>
-      </p:par>
-    </p:tnLst>
-  </p:timing>
   <p:hf sldNum="0" hdr="0" dt="0"/>
 </p:sldLayout>
 </file>
@@ -5621,7 +5517,7 @@
           <a:graphicData uri="http://schemas.openxmlformats.org/presentationml/2006/ole">
             <mc:AlternateContent xmlns:mc="http://schemas.openxmlformats.org/markup-compatibility/2006">
               <mc:Choice xmlns:v="urn:schemas-microsoft-com:vml" Requires="v">
-                <p:oleObj spid="_x0000_s32260" name="think-cell Slide" r:id="rId4" imgW="270" imgH="270" progId="">
+                <p:oleObj spid="_x0000_s32261" name="think-cell Slide" r:id="rId4" imgW="270" imgH="270" progId="">
                   <p:embed/>
                 </p:oleObj>
               </mc:Choice>
@@ -5691,10 +5587,9 @@
           <a:lstStyle/>
           <a:p>
             <a:r>
-              <a:rPr lang="zh-CN" altLang="en-US" smtClean="0"/>
+              <a:rPr lang="zh-CN" altLang="en-US"/>
               <a:t>单击此处编辑母版标题样式</a:t>
             </a:r>
-            <a:endParaRPr lang="zh-CN" altLang="en-US"/>
           </a:p>
         </p:txBody>
       </p:sp>
@@ -5715,38 +5610,37 @@
           <a:p>
             <a:pPr lvl="0"/>
             <a:r>
-              <a:rPr lang="zh-CN" altLang="en-US" smtClean="0"/>
+              <a:rPr lang="zh-CN" altLang="en-US"/>
               <a:t>单击此处编辑母版文本样式</a:t>
             </a:r>
           </a:p>
           <a:p>
             <a:pPr lvl="1"/>
             <a:r>
-              <a:rPr lang="zh-CN" altLang="en-US" smtClean="0"/>
+              <a:rPr lang="zh-CN" altLang="en-US"/>
               <a:t>第二级</a:t>
             </a:r>
           </a:p>
           <a:p>
             <a:pPr lvl="2"/>
             <a:r>
-              <a:rPr lang="zh-CN" altLang="en-US" smtClean="0"/>
+              <a:rPr lang="zh-CN" altLang="en-US"/>
               <a:t>第三级</a:t>
             </a:r>
           </a:p>
           <a:p>
             <a:pPr lvl="3"/>
             <a:r>
-              <a:rPr lang="zh-CN" altLang="en-US" smtClean="0"/>
+              <a:rPr lang="zh-CN" altLang="en-US"/>
               <a:t>第四级</a:t>
             </a:r>
           </a:p>
           <a:p>
             <a:pPr lvl="4"/>
             <a:r>
-              <a:rPr lang="zh-CN" altLang="en-US" smtClean="0"/>
+              <a:rPr lang="zh-CN" altLang="en-US"/>
               <a:t>第五级</a:t>
             </a:r>
-            <a:endParaRPr lang="zh-CN" altLang="en-US"/>
           </a:p>
         </p:txBody>
       </p:sp>
@@ -5791,13 +5685,6 @@
   <p:clrMapOvr>
     <a:masterClrMapping/>
   </p:clrMapOvr>
-  <p:timing>
-    <p:tnLst>
-      <p:par>
-        <p:cTn id="1" dur="indefinite" restart="never" nodeType="tmRoot"/>
-      </p:par>
-    </p:tnLst>
-  </p:timing>
   <p:hf sldNum="0" hdr="0" dt="0"/>
 </p:sldLayout>
 </file>
@@ -5835,10 +5722,9 @@
           <a:lstStyle/>
           <a:p>
             <a:r>
-              <a:rPr lang="zh-CN" altLang="en-US" smtClean="0"/>
+              <a:rPr lang="zh-CN" altLang="en-US"/>
               <a:t>单击此处编辑母版标题样式</a:t>
             </a:r>
-            <a:endParaRPr lang="zh-CN" altLang="en-US"/>
           </a:p>
         </p:txBody>
       </p:sp>
@@ -5864,38 +5750,37 @@
           <a:p>
             <a:pPr lvl="0"/>
             <a:r>
-              <a:rPr lang="zh-CN" altLang="en-US" smtClean="0"/>
+              <a:rPr lang="zh-CN" altLang="en-US"/>
               <a:t>单击此处编辑母版文本样式</a:t>
             </a:r>
           </a:p>
           <a:p>
             <a:pPr lvl="1"/>
             <a:r>
-              <a:rPr lang="zh-CN" altLang="en-US" smtClean="0"/>
+              <a:rPr lang="zh-CN" altLang="en-US"/>
               <a:t>第二级</a:t>
             </a:r>
           </a:p>
           <a:p>
             <a:pPr lvl="2"/>
             <a:r>
-              <a:rPr lang="zh-CN" altLang="en-US" smtClean="0"/>
+              <a:rPr lang="zh-CN" altLang="en-US"/>
               <a:t>第三级</a:t>
             </a:r>
           </a:p>
           <a:p>
             <a:pPr lvl="3"/>
             <a:r>
-              <a:rPr lang="zh-CN" altLang="en-US" smtClean="0"/>
+              <a:rPr lang="zh-CN" altLang="en-US"/>
               <a:t>第四级</a:t>
             </a:r>
           </a:p>
           <a:p>
             <a:pPr lvl="4"/>
             <a:r>
-              <a:rPr lang="zh-CN" altLang="en-US" smtClean="0"/>
+              <a:rPr lang="zh-CN" altLang="en-US"/>
               <a:t>第五级</a:t>
             </a:r>
-            <a:endParaRPr lang="zh-CN" altLang="en-US"/>
           </a:p>
         </p:txBody>
       </p:sp>
@@ -5967,10 +5852,9 @@
           <a:p>
             <a:pPr lvl="0"/>
             <a:r>
-              <a:rPr lang="zh-CN" altLang="en-US" smtClean="0"/>
+              <a:rPr lang="zh-CN" altLang="en-US"/>
               <a:t>编辑母版文本样式</a:t>
             </a:r>
-            <a:endParaRPr lang="zh-CN" altLang="en-US"/>
           </a:p>
         </p:txBody>
       </p:sp>
@@ -6006,10 +5890,9 @@
           <a:p>
             <a:pPr lvl="0"/>
             <a:r>
-              <a:rPr lang="zh-CN" altLang="en-US" smtClean="0"/>
+              <a:rPr lang="zh-CN" altLang="en-US"/>
               <a:t>编辑母版文本样式</a:t>
             </a:r>
-            <a:endParaRPr lang="zh-CN" altLang="en-US"/>
           </a:p>
         </p:txBody>
       </p:sp>
@@ -6045,10 +5928,9 @@
           <a:p>
             <a:pPr lvl="0"/>
             <a:r>
-              <a:rPr lang="zh-CN" altLang="en-US" smtClean="0"/>
+              <a:rPr lang="zh-CN" altLang="en-US"/>
               <a:t>编辑母版文本样式</a:t>
             </a:r>
-            <a:endParaRPr lang="zh-CN" altLang="en-US"/>
           </a:p>
         </p:txBody>
       </p:sp>
@@ -6084,10 +5966,9 @@
           <a:p>
             <a:pPr lvl="0"/>
             <a:r>
-              <a:rPr lang="zh-CN" altLang="en-US" smtClean="0"/>
+              <a:rPr lang="zh-CN" altLang="en-US"/>
               <a:t>编辑母版文本样式</a:t>
             </a:r>
-            <a:endParaRPr lang="zh-CN" altLang="en-US"/>
           </a:p>
         </p:txBody>
       </p:sp>
@@ -6123,10 +6004,9 @@
           <a:p>
             <a:pPr lvl="0"/>
             <a:r>
-              <a:rPr lang="zh-CN" altLang="en-US" smtClean="0"/>
+              <a:rPr lang="zh-CN" altLang="en-US"/>
               <a:t>编辑母版文本样式</a:t>
             </a:r>
-            <a:endParaRPr lang="zh-CN" altLang="en-US"/>
           </a:p>
         </p:txBody>
       </p:sp>
@@ -6239,13 +6119,6 @@
   <p:clrMapOvr>
     <a:masterClrMapping/>
   </p:clrMapOvr>
-  <p:timing>
-    <p:tnLst>
-      <p:par>
-        <p:cTn id="1" dur="indefinite" restart="never" nodeType="tmRoot"/>
-      </p:par>
-    </p:tnLst>
-  </p:timing>
   <p:hf sldNum="0" hdr="0" dt="0"/>
 </p:sldLayout>
 </file>
@@ -6283,10 +6156,9 @@
           <a:lstStyle/>
           <a:p>
             <a:r>
-              <a:rPr lang="zh-CN" altLang="en-US" smtClean="0"/>
+              <a:rPr lang="zh-CN" altLang="en-US"/>
               <a:t>单击此处编辑母版标题样式</a:t>
             </a:r>
-            <a:endParaRPr lang="zh-CN" altLang="en-US"/>
           </a:p>
         </p:txBody>
       </p:sp>
@@ -6317,38 +6189,37 @@
           <a:p>
             <a:pPr lvl="0"/>
             <a:r>
-              <a:rPr lang="zh-CN" altLang="en-US" smtClean="0"/>
+              <a:rPr lang="zh-CN" altLang="en-US"/>
               <a:t>单击此处编辑母版文本样式</a:t>
             </a:r>
           </a:p>
           <a:p>
             <a:pPr lvl="1"/>
             <a:r>
-              <a:rPr lang="zh-CN" altLang="en-US" smtClean="0"/>
+              <a:rPr lang="zh-CN" altLang="en-US"/>
               <a:t>第二级</a:t>
             </a:r>
           </a:p>
           <a:p>
             <a:pPr lvl="2"/>
             <a:r>
-              <a:rPr lang="zh-CN" altLang="en-US" smtClean="0"/>
+              <a:rPr lang="zh-CN" altLang="en-US"/>
               <a:t>第三级</a:t>
             </a:r>
           </a:p>
           <a:p>
             <a:pPr lvl="3"/>
             <a:r>
-              <a:rPr lang="zh-CN" altLang="en-US" smtClean="0"/>
+              <a:rPr lang="zh-CN" altLang="en-US"/>
               <a:t>第四级</a:t>
             </a:r>
           </a:p>
           <a:p>
             <a:pPr lvl="4"/>
             <a:r>
-              <a:rPr lang="zh-CN" altLang="en-US" smtClean="0"/>
+              <a:rPr lang="zh-CN" altLang="en-US"/>
               <a:t>第五级</a:t>
             </a:r>
-            <a:endParaRPr lang="zh-CN" altLang="en-US"/>
           </a:p>
         </p:txBody>
       </p:sp>
@@ -6420,10 +6291,9 @@
           <a:p>
             <a:pPr lvl="0"/>
             <a:r>
-              <a:rPr lang="zh-CN" altLang="en-US" smtClean="0"/>
+              <a:rPr lang="zh-CN" altLang="en-US"/>
               <a:t>编辑母版文本样式</a:t>
             </a:r>
-            <a:endParaRPr lang="zh-CN" altLang="en-US"/>
           </a:p>
         </p:txBody>
       </p:sp>
@@ -6459,10 +6329,9 @@
           <a:p>
             <a:pPr lvl="0"/>
             <a:r>
-              <a:rPr lang="zh-CN" altLang="en-US" smtClean="0"/>
+              <a:rPr lang="zh-CN" altLang="en-US"/>
               <a:t>编辑母版文本样式</a:t>
             </a:r>
-            <a:endParaRPr lang="zh-CN" altLang="en-US"/>
           </a:p>
         </p:txBody>
       </p:sp>
@@ -6493,38 +6362,37 @@
           <a:p>
             <a:pPr lvl="0"/>
             <a:r>
-              <a:rPr lang="zh-CN" altLang="en-US" smtClean="0"/>
+              <a:rPr lang="zh-CN" altLang="en-US"/>
               <a:t>单击此处编辑母版文本样式</a:t>
             </a:r>
           </a:p>
           <a:p>
             <a:pPr lvl="1"/>
             <a:r>
-              <a:rPr lang="zh-CN" altLang="en-US" smtClean="0"/>
+              <a:rPr lang="zh-CN" altLang="en-US"/>
               <a:t>第二级</a:t>
             </a:r>
           </a:p>
           <a:p>
             <a:pPr lvl="2"/>
             <a:r>
-              <a:rPr lang="zh-CN" altLang="en-US" smtClean="0"/>
+              <a:rPr lang="zh-CN" altLang="en-US"/>
               <a:t>第三级</a:t>
             </a:r>
           </a:p>
           <a:p>
             <a:pPr lvl="3"/>
             <a:r>
-              <a:rPr lang="zh-CN" altLang="en-US" smtClean="0"/>
+              <a:rPr lang="zh-CN" altLang="en-US"/>
               <a:t>第四级</a:t>
             </a:r>
           </a:p>
           <a:p>
             <a:pPr lvl="4"/>
             <a:r>
-              <a:rPr lang="zh-CN" altLang="en-US" smtClean="0"/>
+              <a:rPr lang="zh-CN" altLang="en-US"/>
               <a:t>第五级</a:t>
             </a:r>
-            <a:endParaRPr lang="zh-CN" altLang="en-US"/>
           </a:p>
         </p:txBody>
       </p:sp>
@@ -6538,13 +6406,6 @@
   <p:clrMapOvr>
     <a:masterClrMapping/>
   </p:clrMapOvr>
-  <p:timing>
-    <p:tnLst>
-      <p:par>
-        <p:cTn id="1" dur="indefinite" restart="never" nodeType="tmRoot"/>
-      </p:par>
-    </p:tnLst>
-  </p:timing>
   <p:hf sldNum="0" hdr="0" dt="0"/>
 </p:sldLayout>
 </file>
@@ -6591,7 +6452,7 @@
           <a:graphicData uri="http://schemas.openxmlformats.org/presentationml/2006/ole">
             <mc:AlternateContent xmlns:mc="http://schemas.openxmlformats.org/markup-compatibility/2006">
               <mc:Choice xmlns:v="urn:schemas-microsoft-com:vml" Requires="v">
-                <p:oleObj spid="_x0000_s20260" name="think-cell Slide" r:id="rId4" imgW="270" imgH="270" progId="">
+                <p:oleObj spid="_x0000_s20261" name="think-cell Slide" r:id="rId4" imgW="270" imgH="270" progId="">
                   <p:embed/>
                 </p:oleObj>
               </mc:Choice>
@@ -6661,10 +6522,9 @@
           <a:lstStyle/>
           <a:p>
             <a:r>
-              <a:rPr lang="zh-CN" altLang="en-US" smtClean="0"/>
+              <a:rPr lang="zh-CN" altLang="en-US"/>
               <a:t>单击此处编辑母版标题样式</a:t>
             </a:r>
-            <a:endParaRPr lang="zh-CN" altLang="en-US"/>
           </a:p>
         </p:txBody>
       </p:sp>
@@ -6695,38 +6555,37 @@
           <a:p>
             <a:pPr lvl="0"/>
             <a:r>
-              <a:rPr lang="zh-CN" altLang="en-US" smtClean="0"/>
+              <a:rPr lang="zh-CN" altLang="en-US"/>
               <a:t>单击此处编辑母版文本样式</a:t>
             </a:r>
           </a:p>
           <a:p>
             <a:pPr lvl="1"/>
             <a:r>
-              <a:rPr lang="zh-CN" altLang="en-US" smtClean="0"/>
+              <a:rPr lang="zh-CN" altLang="en-US"/>
               <a:t>第二级</a:t>
             </a:r>
           </a:p>
           <a:p>
             <a:pPr lvl="2"/>
             <a:r>
-              <a:rPr lang="zh-CN" altLang="en-US" smtClean="0"/>
+              <a:rPr lang="zh-CN" altLang="en-US"/>
               <a:t>第三级</a:t>
             </a:r>
           </a:p>
           <a:p>
             <a:pPr lvl="3"/>
             <a:r>
-              <a:rPr lang="zh-CN" altLang="en-US" smtClean="0"/>
+              <a:rPr lang="zh-CN" altLang="en-US"/>
               <a:t>第四级</a:t>
             </a:r>
           </a:p>
           <a:p>
             <a:pPr lvl="4"/>
             <a:r>
-              <a:rPr lang="zh-CN" altLang="en-US" smtClean="0"/>
+              <a:rPr lang="zh-CN" altLang="en-US"/>
               <a:t>第五级</a:t>
             </a:r>
-            <a:endParaRPr lang="zh-CN" altLang="en-US"/>
           </a:p>
         </p:txBody>
       </p:sp>
@@ -6798,10 +6657,9 @@
           <a:p>
             <a:pPr lvl="0"/>
             <a:r>
-              <a:rPr lang="zh-CN" altLang="en-US" smtClean="0"/>
+              <a:rPr lang="zh-CN" altLang="en-US"/>
               <a:t>编辑母版文本样式</a:t>
             </a:r>
-            <a:endParaRPr lang="zh-CN" altLang="en-US"/>
           </a:p>
         </p:txBody>
       </p:sp>
@@ -6837,10 +6695,9 @@
           <a:p>
             <a:pPr lvl="0"/>
             <a:r>
-              <a:rPr lang="zh-CN" altLang="en-US" smtClean="0"/>
+              <a:rPr lang="zh-CN" altLang="en-US"/>
               <a:t>编辑母版文本样式</a:t>
             </a:r>
-            <a:endParaRPr lang="zh-CN" altLang="en-US"/>
           </a:p>
         </p:txBody>
       </p:sp>
@@ -6871,38 +6728,37 @@
           <a:p>
             <a:pPr lvl="0"/>
             <a:r>
-              <a:rPr lang="zh-CN" altLang="en-US" smtClean="0"/>
+              <a:rPr lang="zh-CN" altLang="en-US"/>
               <a:t>单击此处编辑母版文本样式</a:t>
             </a:r>
           </a:p>
           <a:p>
             <a:pPr lvl="1"/>
             <a:r>
-              <a:rPr lang="zh-CN" altLang="en-US" smtClean="0"/>
+              <a:rPr lang="zh-CN" altLang="en-US"/>
               <a:t>第二级</a:t>
             </a:r>
           </a:p>
           <a:p>
             <a:pPr lvl="2"/>
             <a:r>
-              <a:rPr lang="zh-CN" altLang="en-US" smtClean="0"/>
+              <a:rPr lang="zh-CN" altLang="en-US"/>
               <a:t>第三级</a:t>
             </a:r>
           </a:p>
           <a:p>
             <a:pPr lvl="3"/>
             <a:r>
-              <a:rPr lang="zh-CN" altLang="en-US" smtClean="0"/>
+              <a:rPr lang="zh-CN" altLang="en-US"/>
               <a:t>第四级</a:t>
             </a:r>
           </a:p>
           <a:p>
             <a:pPr lvl="4"/>
             <a:r>
-              <a:rPr lang="zh-CN" altLang="en-US" smtClean="0"/>
+              <a:rPr lang="zh-CN" altLang="en-US"/>
               <a:t>第五级</a:t>
             </a:r>
-            <a:endParaRPr lang="zh-CN" altLang="en-US"/>
           </a:p>
         </p:txBody>
       </p:sp>
@@ -6916,13 +6772,6 @@
   <p:clrMapOvr>
     <a:masterClrMapping/>
   </p:clrMapOvr>
-  <p:timing>
-    <p:tnLst>
-      <p:par>
-        <p:cTn id="1" dur="indefinite" restart="never" nodeType="tmRoot"/>
-      </p:par>
-    </p:tnLst>
-  </p:timing>
   <p:hf sldNum="0" hdr="0" dt="0"/>
 </p:sldLayout>
 </file>
@@ -6969,10 +6818,9 @@
           </a:lstStyle>
           <a:p>
             <a:r>
-              <a:rPr lang="zh-CN" altLang="en-US" smtClean="0"/>
+              <a:rPr lang="zh-CN" altLang="en-US"/>
               <a:t>单击此处编辑母版标题样式</a:t>
             </a:r>
-            <a:endParaRPr lang="zh-CN" altLang="en-US"/>
           </a:p>
         </p:txBody>
       </p:sp>
@@ -7089,7 +6937,7 @@
           <a:p>
             <a:pPr lvl="0"/>
             <a:r>
-              <a:rPr lang="zh-CN" altLang="en-US" smtClean="0"/>
+              <a:rPr lang="zh-CN" altLang="en-US"/>
               <a:t>单击此处编辑母版文本样式</a:t>
             </a:r>
           </a:p>
@@ -7136,13 +6984,6 @@
   <p:clrMapOvr>
     <a:masterClrMapping/>
   </p:clrMapOvr>
-  <p:timing>
-    <p:tnLst>
-      <p:par>
-        <p:cTn id="1" dur="indefinite" restart="never" nodeType="tmRoot"/>
-      </p:par>
-    </p:tnLst>
-  </p:timing>
   <p:hf sldNum="0" hdr="0" dt="0"/>
 </p:sldLayout>
 </file>
@@ -7180,10 +7021,9 @@
           <a:lstStyle/>
           <a:p>
             <a:r>
-              <a:rPr lang="zh-CN" altLang="en-US" smtClean="0"/>
+              <a:rPr lang="zh-CN" altLang="en-US"/>
               <a:t>单击此处编辑母版标题样式</a:t>
             </a:r>
-            <a:endParaRPr lang="zh-CN" altLang="en-US"/>
           </a:p>
         </p:txBody>
       </p:sp>
@@ -7239,38 +7079,37 @@
           <a:p>
             <a:pPr lvl="0"/>
             <a:r>
-              <a:rPr lang="zh-CN" altLang="en-US" smtClean="0"/>
+              <a:rPr lang="zh-CN" altLang="en-US"/>
               <a:t>单击此处编辑母版文本样式</a:t>
             </a:r>
           </a:p>
           <a:p>
             <a:pPr lvl="1"/>
             <a:r>
-              <a:rPr lang="zh-CN" altLang="en-US" smtClean="0"/>
+              <a:rPr lang="zh-CN" altLang="en-US"/>
               <a:t>第二级</a:t>
             </a:r>
           </a:p>
           <a:p>
             <a:pPr lvl="2"/>
             <a:r>
-              <a:rPr lang="zh-CN" altLang="en-US" smtClean="0"/>
+              <a:rPr lang="zh-CN" altLang="en-US"/>
               <a:t>第三级</a:t>
             </a:r>
           </a:p>
           <a:p>
             <a:pPr lvl="3"/>
             <a:r>
-              <a:rPr lang="zh-CN" altLang="en-US" smtClean="0"/>
+              <a:rPr lang="zh-CN" altLang="en-US"/>
               <a:t>第四级</a:t>
             </a:r>
           </a:p>
           <a:p>
             <a:pPr lvl="4"/>
             <a:r>
-              <a:rPr lang="zh-CN" altLang="en-US" smtClean="0"/>
+              <a:rPr lang="zh-CN" altLang="en-US"/>
               <a:t>第五级</a:t>
             </a:r>
-            <a:endParaRPr lang="zh-CN" altLang="en-US"/>
           </a:p>
         </p:txBody>
       </p:sp>
@@ -7326,38 +7165,37 @@
           <a:p>
             <a:pPr lvl="0"/>
             <a:r>
-              <a:rPr lang="zh-CN" altLang="en-US" smtClean="0"/>
+              <a:rPr lang="zh-CN" altLang="en-US"/>
               <a:t>单击此处编辑母版文本样式</a:t>
             </a:r>
           </a:p>
           <a:p>
             <a:pPr lvl="1"/>
             <a:r>
-              <a:rPr lang="zh-CN" altLang="en-US" smtClean="0"/>
+              <a:rPr lang="zh-CN" altLang="en-US"/>
               <a:t>第二级</a:t>
             </a:r>
           </a:p>
           <a:p>
             <a:pPr lvl="2"/>
             <a:r>
-              <a:rPr lang="zh-CN" altLang="en-US" smtClean="0"/>
+              <a:rPr lang="zh-CN" altLang="en-US"/>
               <a:t>第三级</a:t>
             </a:r>
           </a:p>
           <a:p>
             <a:pPr lvl="3"/>
             <a:r>
-              <a:rPr lang="zh-CN" altLang="en-US" smtClean="0"/>
+              <a:rPr lang="zh-CN" altLang="en-US"/>
               <a:t>第四级</a:t>
             </a:r>
           </a:p>
           <a:p>
             <a:pPr lvl="4"/>
             <a:r>
-              <a:rPr lang="zh-CN" altLang="en-US" smtClean="0"/>
+              <a:rPr lang="zh-CN" altLang="en-US"/>
               <a:t>第五级</a:t>
             </a:r>
-            <a:endParaRPr lang="zh-CN" altLang="en-US"/>
           </a:p>
         </p:txBody>
       </p:sp>
@@ -7402,13 +7240,6 @@
   <p:clrMapOvr>
     <a:masterClrMapping/>
   </p:clrMapOvr>
-  <p:timing>
-    <p:tnLst>
-      <p:par>
-        <p:cTn id="1" dur="indefinite" restart="never" nodeType="tmRoot"/>
-      </p:par>
-    </p:tnLst>
-  </p:timing>
   <p:hf sldNum="0" hdr="0" dt="0"/>
 </p:sldLayout>
 </file>
@@ -7455,7 +7286,7 @@
           <a:graphicData uri="http://schemas.openxmlformats.org/presentationml/2006/ole">
             <mc:AlternateContent xmlns:mc="http://schemas.openxmlformats.org/markup-compatibility/2006">
               <mc:Choice xmlns:v="urn:schemas-microsoft-com:vml" Requires="v">
-                <p:oleObj spid="_x0000_s66901" name="think-cell Slide" r:id="rId4" imgW="270" imgH="270" progId="">
+                <p:oleObj spid="_x0000_s66902" name="think-cell Slide" r:id="rId4" imgW="270" imgH="270" progId="">
                   <p:embed/>
                 </p:oleObj>
               </mc:Choice>
@@ -7525,10 +7356,9 @@
           <a:lstStyle/>
           <a:p>
             <a:r>
-              <a:rPr lang="zh-CN" altLang="en-US" smtClean="0"/>
+              <a:rPr lang="zh-CN" altLang="en-US"/>
               <a:t>单击此处编辑母版标题样式</a:t>
             </a:r>
-            <a:endParaRPr lang="zh-CN" altLang="en-US"/>
           </a:p>
         </p:txBody>
       </p:sp>
@@ -7592,7 +7422,7 @@
           <a:graphicData uri="http://schemas.openxmlformats.org/presentationml/2006/ole">
             <mc:AlternateContent xmlns:mc="http://schemas.openxmlformats.org/markup-compatibility/2006">
               <mc:Choice xmlns:v="urn:schemas-microsoft-com:vml" Requires="v">
-                <p:oleObj spid="_x0000_s19423" name="think-cell Slide" r:id="rId12" imgW="270" imgH="270" progId="">
+                <p:oleObj spid="_x0000_s19424" name="think-cell Slide" r:id="rId12" imgW="270" imgH="270" progId="">
                   <p:embed/>
                 </p:oleObj>
               </mc:Choice>
@@ -7672,10 +7502,9 @@
           <a:lstStyle/>
           <a:p>
             <a:r>
-              <a:rPr lang="zh-CN" altLang="en-US" smtClean="0"/>
+              <a:rPr lang="zh-CN" altLang="en-US"/>
               <a:t>单击此处编辑母版标题样式</a:t>
             </a:r>
-            <a:endParaRPr lang="zh-CN" altLang="en-US"/>
           </a:p>
         </p:txBody>
       </p:sp>
@@ -7706,38 +7535,37 @@
           <a:p>
             <a:pPr lvl="0"/>
             <a:r>
-              <a:rPr lang="zh-CN" altLang="en-US" smtClean="0"/>
+              <a:rPr lang="zh-CN" altLang="en-US"/>
               <a:t>单击此处编辑母版文本样式</a:t>
             </a:r>
           </a:p>
           <a:p>
             <a:pPr lvl="1"/>
             <a:r>
-              <a:rPr lang="zh-CN" altLang="en-US" smtClean="0"/>
+              <a:rPr lang="zh-CN" altLang="en-US"/>
               <a:t>第二级</a:t>
             </a:r>
           </a:p>
           <a:p>
             <a:pPr lvl="2"/>
             <a:r>
-              <a:rPr lang="zh-CN" altLang="en-US" smtClean="0"/>
+              <a:rPr lang="zh-CN" altLang="en-US"/>
               <a:t>第三级</a:t>
             </a:r>
           </a:p>
           <a:p>
             <a:pPr lvl="3"/>
             <a:r>
-              <a:rPr lang="zh-CN" altLang="en-US" smtClean="0"/>
+              <a:rPr lang="zh-CN" altLang="en-US"/>
               <a:t>第四级</a:t>
             </a:r>
           </a:p>
           <a:p>
             <a:pPr lvl="4"/>
             <a:r>
-              <a:rPr lang="zh-CN" altLang="en-US" smtClean="0"/>
+              <a:rPr lang="zh-CN" altLang="en-US"/>
               <a:t>第五级</a:t>
             </a:r>
-            <a:endParaRPr lang="zh-CN" altLang="en-US"/>
           </a:p>
         </p:txBody>
       </p:sp>
@@ -7885,23 +7713,7 @@
                   <a:srgbClr val="7F7F7F"/>
                 </a:solidFill>
               </a:rPr>
-              <a:t>Copyright © </a:t>
-            </a:r>
-            <a:r>
-              <a:rPr lang="en-US" sz="1050" dirty="0" smtClean="0">
-                <a:solidFill>
-                  <a:srgbClr val="7F7F7F"/>
-                </a:solidFill>
-              </a:rPr>
-              <a:t>2017 </a:t>
-            </a:r>
-            <a:r>
-              <a:rPr lang="en-US" sz="1050" dirty="0">
-                <a:solidFill>
-                  <a:srgbClr val="7F7F7F"/>
-                </a:solidFill>
-              </a:rPr>
-              <a:t>All rights reserved.</a:t>
+              <a:t>Copyright © 2017 All rights reserved.</a:t>
             </a:r>
           </a:p>
         </p:txBody>
@@ -8013,13 +7825,6 @@
     <p:sldLayoutId id="2147483701" r:id="rId7"/>
     <p:sldLayoutId id="2147483713" r:id="rId8"/>
   </p:sldLayoutIdLst>
-  <p:timing>
-    <p:tnLst>
-      <p:par>
-        <p:cTn id="1" dur="indefinite" restart="never" nodeType="tmRoot"/>
-      </p:par>
-    </p:tnLst>
-  </p:timing>
   <p:hf sldNum="0" hdr="0" dt="0"/>
   <p:txStyles>
     <p:titleStyle>
@@ -8343,7 +8148,7 @@
               <a:defRPr/>
             </a:pPr>
             <a:r>
-              <a:rPr lang="en-US" altLang="zh-CN" sz="3600" b="1" spc="200" smtClean="0">
+              <a:rPr lang="en-US" altLang="zh-CN" sz="3600" b="1" spc="200">
                 <a:solidFill>
                   <a:srgbClr val="C00000"/>
                 </a:solidFill>
@@ -8353,7 +8158,7 @@
               <a:t>B2B2C</a:t>
             </a:r>
             <a:r>
-              <a:rPr lang="zh-CN" altLang="en-US" sz="3600" b="1" spc="200" smtClean="0">
+              <a:rPr lang="zh-CN" altLang="en-US" sz="3600" b="1" spc="200">
                 <a:solidFill>
                   <a:srgbClr val="C00000"/>
                 </a:solidFill>
@@ -8362,7 +8167,7 @@
               </a:rPr>
               <a:t>外部合作</a:t>
             </a:r>
-            <a:endParaRPr lang="en-US" altLang="zh-CN" sz="3600" b="1" spc="200" smtClean="0">
+            <a:endParaRPr lang="en-US" altLang="zh-CN" sz="3600" b="1" spc="200">
               <a:solidFill>
                 <a:srgbClr val="C00000"/>
               </a:solidFill>
@@ -8375,7 +8180,7 @@
               <a:defRPr/>
             </a:pPr>
             <a:r>
-              <a:rPr lang="en-US" altLang="zh-CN" sz="3600" b="1" spc="200" smtClean="0">
+              <a:rPr lang="en-US" altLang="zh-CN" sz="3600" b="1" spc="200">
                 <a:solidFill>
                   <a:srgbClr val="C00000"/>
                 </a:solidFill>
@@ -8385,7 +8190,7 @@
               <a:t>                          —</a:t>
             </a:r>
             <a:r>
-              <a:rPr lang="zh-CN" altLang="en-US" sz="3600" b="1" spc="200" smtClean="0">
+              <a:rPr lang="zh-CN" altLang="en-US" sz="3600" b="1" spc="200">
                 <a:solidFill>
                   <a:srgbClr val="C00000"/>
                 </a:solidFill>
@@ -8428,7 +8233,7 @@
           <a:p>
             <a:pPr algn="ctr"/>
             <a:r>
-              <a:rPr lang="zh-CN" altLang="en-US" b="1" spc="200" smtClean="0">
+              <a:rPr lang="zh-CN" altLang="en-US" b="1" spc="200">
                 <a:solidFill>
                   <a:srgbClr val="C00000"/>
                 </a:solidFill>
@@ -8437,7 +8242,7 @@
               </a:rPr>
               <a:t>总行零售网络金融事业部</a:t>
             </a:r>
-            <a:endParaRPr lang="en-US" altLang="zh-CN" b="1" spc="200" smtClean="0">
+            <a:endParaRPr lang="en-US" altLang="zh-CN" b="1" spc="200">
               <a:solidFill>
                 <a:srgbClr val="C00000"/>
               </a:solidFill>
@@ -8448,7 +8253,7 @@
           <a:p>
             <a:pPr algn="ctr"/>
             <a:r>
-              <a:rPr lang="en-US" altLang="zh-CN" b="1" spc="200" smtClean="0">
+              <a:rPr lang="en-US" altLang="zh-CN" b="1" spc="200">
                 <a:solidFill>
                   <a:srgbClr val="C00000"/>
                 </a:solidFill>
@@ -8458,7 +8263,7 @@
               <a:t>2017</a:t>
             </a:r>
             <a:r>
-              <a:rPr lang="zh-CN" altLang="en-US" b="1" spc="200" smtClean="0">
+              <a:rPr lang="zh-CN" altLang="en-US" b="1" spc="200">
                 <a:solidFill>
                   <a:srgbClr val="C00000"/>
                 </a:solidFill>
@@ -8468,7 +8273,7 @@
               <a:t>年</a:t>
             </a:r>
             <a:r>
-              <a:rPr lang="en-US" altLang="zh-CN" b="1" spc="200" smtClean="0">
+              <a:rPr lang="en-US" altLang="zh-CN" b="1" spc="200">
                 <a:solidFill>
                   <a:srgbClr val="C00000"/>
                 </a:solidFill>
@@ -8478,7 +8283,7 @@
               <a:t>5</a:t>
             </a:r>
             <a:r>
-              <a:rPr lang="zh-CN" altLang="en-US" b="1" spc="200" smtClean="0">
+              <a:rPr lang="zh-CN" altLang="en-US" b="1" spc="200">
                 <a:solidFill>
                   <a:srgbClr val="C00000"/>
                 </a:solidFill>
@@ -8614,7 +8419,7 @@
           <a:p>
             <a:pPr algn="ctr"/>
             <a:r>
-              <a:rPr lang="zh-CN" altLang="en-US" sz="2700" b="1" smtClean="0">
+              <a:rPr lang="zh-CN" altLang="en-US" sz="2700" b="1">
                 <a:solidFill>
                   <a:srgbClr val="FFFFFF"/>
                 </a:solidFill>
@@ -8793,7 +8598,7 @@
           <a:p>
             <a:pPr algn="ctr"/>
             <a:r>
-              <a:rPr lang="en-US" altLang="zh-CN" sz="1400" smtClean="0">
+              <a:rPr lang="en-US" altLang="zh-CN" sz="1400">
                 <a:solidFill>
                   <a:srgbClr val="FFFFFF"/>
                 </a:solidFill>
@@ -9358,7 +9163,7 @@
           <a:lstStyle/>
           <a:p>
             <a:pPr algn="ctr"/>
-            <a:endParaRPr lang="zh-CN" altLang="en-US" sz="1600" smtClean="0">
+            <a:endParaRPr lang="zh-CN" altLang="en-US" sz="1600">
               <a:solidFill>
                 <a:schemeClr val="tx1"/>
               </a:solidFill>
@@ -9403,7 +9208,7 @@
           <a:lstStyle/>
           <a:p>
             <a:pPr algn="ctr"/>
-            <a:endParaRPr lang="zh-CN" altLang="en-US" sz="1600" smtClean="0">
+            <a:endParaRPr lang="zh-CN" altLang="en-US" sz="1600">
               <a:solidFill>
                 <a:schemeClr val="tx1"/>
               </a:solidFill>
@@ -9448,7 +9253,7 @@
           <a:lstStyle/>
           <a:p>
             <a:pPr algn="ctr"/>
-            <a:endParaRPr lang="zh-CN" altLang="en-US" sz="1600" smtClean="0">
+            <a:endParaRPr lang="zh-CN" altLang="en-US" sz="1600">
               <a:solidFill>
                 <a:schemeClr val="tx1"/>
               </a:solidFill>
@@ -9504,7 +9309,7 @@
           <a:p>
             <a:pPr algn="ctr"/>
             <a:r>
-              <a:rPr lang="zh-CN" altLang="en-US" sz="1600" smtClean="0">
+              <a:rPr lang="zh-CN" altLang="en-US" sz="1600">
                 <a:solidFill>
                   <a:schemeClr val="tx1"/>
                 </a:solidFill>
@@ -9562,7 +9367,7 @@
           <a:p>
             <a:pPr algn="ctr"/>
             <a:r>
-              <a:rPr lang="zh-CN" altLang="en-US" sz="1600" smtClean="0">
+              <a:rPr lang="zh-CN" altLang="en-US" sz="1600">
                 <a:solidFill>
                   <a:schemeClr val="tx1"/>
                 </a:solidFill>
@@ -9620,7 +9425,7 @@
           <a:p>
             <a:pPr algn="ctr"/>
             <a:r>
-              <a:rPr lang="zh-CN" altLang="en-US" sz="1600" smtClean="0">
+              <a:rPr lang="zh-CN" altLang="en-US" sz="1600">
                 <a:solidFill>
                   <a:schemeClr val="tx1"/>
                 </a:solidFill>
@@ -9678,7 +9483,7 @@
           <a:p>
             <a:pPr algn="ctr"/>
             <a:r>
-              <a:rPr lang="zh-CN" altLang="en-US" sz="1600" smtClean="0">
+              <a:rPr lang="zh-CN" altLang="en-US" sz="1600">
                 <a:solidFill>
                   <a:schemeClr val="tx1"/>
                 </a:solidFill>
@@ -9736,7 +9541,7 @@
           <a:p>
             <a:pPr algn="ctr"/>
             <a:r>
-              <a:rPr lang="zh-CN" altLang="en-US" sz="1600" smtClean="0">
+              <a:rPr lang="zh-CN" altLang="en-US" sz="1600">
                 <a:solidFill>
                   <a:schemeClr val="tx1"/>
                 </a:solidFill>
@@ -9794,7 +9599,7 @@
           <a:p>
             <a:pPr algn="ctr"/>
             <a:r>
-              <a:rPr lang="zh-CN" altLang="en-US" sz="1600" smtClean="0">
+              <a:rPr lang="zh-CN" altLang="en-US" sz="1600">
                 <a:solidFill>
                   <a:schemeClr val="tx1"/>
                 </a:solidFill>
@@ -9852,7 +9657,7 @@
           <a:p>
             <a:pPr algn="ctr"/>
             <a:r>
-              <a:rPr lang="zh-CN" altLang="en-US" sz="1600" smtClean="0">
+              <a:rPr lang="zh-CN" altLang="en-US" sz="1600">
                 <a:solidFill>
                   <a:schemeClr val="tx1"/>
                 </a:solidFill>
@@ -9910,7 +9715,7 @@
           <a:p>
             <a:pPr algn="ctr"/>
             <a:r>
-              <a:rPr lang="zh-CN" altLang="en-US" sz="1600" smtClean="0">
+              <a:rPr lang="zh-CN" altLang="en-US" sz="1600">
                 <a:solidFill>
                   <a:schemeClr val="tx1"/>
                 </a:solidFill>
@@ -9968,7 +9773,7 @@
           <a:p>
             <a:pPr algn="ctr"/>
             <a:r>
-              <a:rPr lang="zh-CN" altLang="en-US" sz="1600" smtClean="0">
+              <a:rPr lang="zh-CN" altLang="en-US" sz="1600">
                 <a:solidFill>
                   <a:schemeClr val="tx1"/>
                 </a:solidFill>
@@ -10026,7 +9831,7 @@
           <a:p>
             <a:pPr algn="ctr"/>
             <a:r>
-              <a:rPr lang="zh-CN" altLang="en-US" sz="1600" smtClean="0">
+              <a:rPr lang="zh-CN" altLang="en-US" sz="1600">
                 <a:solidFill>
                   <a:schemeClr val="tx1"/>
                 </a:solidFill>
@@ -10084,7 +9889,7 @@
           <a:p>
             <a:pPr algn="ctr"/>
             <a:r>
-              <a:rPr lang="zh-CN" altLang="en-US" sz="1600" smtClean="0">
+              <a:rPr lang="zh-CN" altLang="en-US" sz="1600">
                 <a:solidFill>
                   <a:schemeClr val="tx1"/>
                 </a:solidFill>
@@ -10142,7 +9947,7 @@
           <a:p>
             <a:pPr algn="ctr"/>
             <a:r>
-              <a:rPr lang="zh-CN" altLang="en-US" sz="1600" smtClean="0">
+              <a:rPr lang="zh-CN" altLang="en-US" sz="1600">
                 <a:solidFill>
                   <a:schemeClr val="tx1"/>
                 </a:solidFill>
@@ -10202,7 +10007,7 @@
               <a:buSzTx/>
               <a:tabLst/>
             </a:pPr>
-            <a:endParaRPr kumimoji="0" lang="en-US" altLang="zh-CN" sz="1200" b="0" i="0" u="none" strike="noStrike" cap="none" normalizeH="0" baseline="0" smtClean="0">
+            <a:endParaRPr kumimoji="0" lang="en-US" altLang="zh-CN" sz="1200" b="0" i="0" u="none" strike="noStrike" cap="none" normalizeH="0" baseline="0">
               <a:ln>
                 <a:noFill/>
               </a:ln>
@@ -10233,7 +10038,7 @@
               <a:tabLst/>
             </a:pPr>
             <a:r>
-              <a:rPr kumimoji="0" lang="zh-CN" sz="1200" b="0" i="0" u="none" strike="noStrike" cap="none" normalizeH="0" baseline="0" smtClean="0">
+              <a:rPr kumimoji="0" lang="zh-CN" sz="1200" b="0" i="0" u="none" strike="noStrike" cap="none" normalizeH="0" baseline="0">
                 <a:ln>
                   <a:noFill/>
                 </a:ln>
@@ -10248,7 +10053,7 @@
               <a:t>企业</a:t>
             </a:r>
             <a:r>
-              <a:rPr kumimoji="0" lang="en-US" altLang="zh-CN" sz="1200" b="0" i="0" u="none" strike="noStrike" cap="none" normalizeH="0" baseline="0" smtClean="0">
+              <a:rPr kumimoji="0" lang="en-US" altLang="zh-CN" sz="1200" b="0" i="0" u="none" strike="noStrike" cap="none" normalizeH="0" baseline="0">
                 <a:ln>
                   <a:noFill/>
                 </a:ln>
@@ -10263,7 +10068,7 @@
               <a:t>APP</a:t>
             </a:r>
             <a:r>
-              <a:rPr kumimoji="0" lang="zh-CN" altLang="en-US" sz="1200" b="0" i="0" u="none" strike="noStrike" cap="none" normalizeH="0" baseline="0" smtClean="0">
+              <a:rPr kumimoji="0" lang="zh-CN" altLang="en-US" sz="1200" b="0" i="0" u="none" strike="noStrike" cap="none" normalizeH="0" baseline="0">
                 <a:ln>
                   <a:noFill/>
                 </a:ln>
@@ -10278,7 +10083,7 @@
               <a:t>软件必须在正规软件商城：</a:t>
             </a:r>
             <a:r>
-              <a:rPr kumimoji="0" lang="en-US" altLang="zh-CN" sz="1200" b="0" i="0" u="none" strike="noStrike" cap="none" normalizeH="0" baseline="0" smtClean="0">
+              <a:rPr kumimoji="0" lang="en-US" altLang="zh-CN" sz="1200" b="0" i="0" u="none" strike="noStrike" cap="none" normalizeH="0" baseline="0">
                 <a:ln>
                   <a:noFill/>
                 </a:ln>
@@ -10293,7 +10098,7 @@
               <a:t>App store</a:t>
             </a:r>
             <a:r>
-              <a:rPr kumimoji="0" lang="zh-CN" altLang="en-US" sz="1200" b="0" i="0" u="none" strike="noStrike" cap="none" normalizeH="0" baseline="0" smtClean="0">
+              <a:rPr kumimoji="0" lang="zh-CN" altLang="en-US" sz="1200" b="0" i="0" u="none" strike="noStrike" cap="none" normalizeH="0" baseline="0">
                 <a:ln>
                   <a:noFill/>
                 </a:ln>
@@ -10308,7 +10113,7 @@
               <a:t>或安卓市场发布</a:t>
             </a:r>
             <a:r>
-              <a:rPr lang="zh-CN" altLang="en-US" sz="1200" smtClean="0">
+              <a:rPr lang="zh-CN" altLang="en-US" sz="1200">
                 <a:solidFill>
                   <a:srgbClr val="000000"/>
                 </a:solidFill>
@@ -10319,7 +10124,7 @@
               <a:t>，</a:t>
             </a:r>
             <a:r>
-              <a:rPr kumimoji="0" lang="zh-CN" altLang="en-US" sz="1200" b="0" i="0" u="none" strike="noStrike" cap="none" normalizeH="0" baseline="0" smtClean="0">
+              <a:rPr kumimoji="0" lang="zh-CN" altLang="en-US" sz="1200" b="0" i="0" u="none" strike="noStrike" cap="none" normalizeH="0" baseline="0">
                 <a:ln>
                   <a:noFill/>
                 </a:ln>
@@ -10334,7 +10139,7 @@
               <a:t>须公安</a:t>
             </a:r>
             <a:r>
-              <a:rPr kumimoji="0" lang="en-US" altLang="zh-CN" sz="1200" b="0" i="0" u="none" strike="noStrike" cap="none" normalizeH="0" baseline="0" smtClean="0">
+              <a:rPr kumimoji="0" lang="en-US" altLang="zh-CN" sz="1200" b="0" i="0" u="none" strike="noStrike" cap="none" normalizeH="0" baseline="0">
                 <a:ln>
                   <a:noFill/>
                 </a:ln>
@@ -10349,7 +10154,7 @@
               <a:t>ICP</a:t>
             </a:r>
             <a:r>
-              <a:rPr kumimoji="0" lang="zh-CN" altLang="en-US" sz="1200" b="0" i="0" u="none" strike="noStrike" cap="none" normalizeH="0" baseline="0" smtClean="0">
+              <a:rPr kumimoji="0" lang="zh-CN" altLang="en-US" sz="1200" b="0" i="0" u="none" strike="noStrike" cap="none" normalizeH="0" baseline="0">
                 <a:ln>
                   <a:noFill/>
                 </a:ln>
@@ -10363,7 +10168,7 @@
               </a:rPr>
               <a:t>报备</a:t>
             </a:r>
-            <a:endParaRPr kumimoji="0" lang="en-US" altLang="zh-CN" sz="1200" b="0" i="0" u="none" strike="noStrike" cap="none" normalizeH="0" baseline="0" smtClean="0">
+            <a:endParaRPr kumimoji="0" lang="en-US" altLang="zh-CN" sz="1200" b="0" i="0" u="none" strike="noStrike" cap="none" normalizeH="0" baseline="0">
               <a:ln>
                 <a:noFill/>
               </a:ln>
@@ -10394,7 +10199,7 @@
               <a:tabLst/>
             </a:pPr>
             <a:r>
-              <a:rPr kumimoji="0" lang="zh-CN" altLang="en-US" sz="1200" b="0" i="0" u="none" strike="noStrike" cap="none" normalizeH="0" baseline="0" smtClean="0">
+              <a:rPr kumimoji="0" lang="zh-CN" altLang="en-US" sz="1200" b="0" i="0" u="none" strike="noStrike" cap="none" normalizeH="0" baseline="0">
                 <a:ln>
                   <a:noFill/>
                 </a:ln>
@@ -10409,7 +10214,7 @@
               <a:t>企业微信公众号的粉丝量需达到</a:t>
             </a:r>
             <a:r>
-              <a:rPr kumimoji="0" lang="en-US" altLang="zh-CN" sz="1200" b="0" i="0" u="none" strike="noStrike" cap="none" normalizeH="0" baseline="0" smtClean="0">
+              <a:rPr kumimoji="0" lang="en-US" altLang="zh-CN" sz="1200" b="0" i="0" u="none" strike="noStrike" cap="none" normalizeH="0" baseline="0">
                 <a:ln>
                   <a:noFill/>
                 </a:ln>
@@ -10424,7 +10229,7 @@
               <a:t>30</a:t>
             </a:r>
             <a:r>
-              <a:rPr kumimoji="0" lang="zh-CN" altLang="en-US" sz="1200" b="0" i="0" u="none" strike="noStrike" cap="none" normalizeH="0" baseline="0" smtClean="0">
+              <a:rPr kumimoji="0" lang="zh-CN" altLang="en-US" sz="1200" b="0" i="0" u="none" strike="noStrike" cap="none" normalizeH="0" baseline="0">
                 <a:ln>
                   <a:noFill/>
                 </a:ln>
@@ -10438,7 +10243,7 @@
               </a:rPr>
               <a:t>万。</a:t>
             </a:r>
-            <a:endParaRPr kumimoji="0" lang="zh-CN" altLang="en-US" sz="1800" b="0" i="0" u="none" strike="noStrike" cap="none" normalizeH="0" baseline="0" smtClean="0">
+            <a:endParaRPr kumimoji="0" lang="zh-CN" altLang="en-US" sz="1800" b="0" i="0" u="none" strike="noStrike" cap="none" normalizeH="0" baseline="0">
               <a:ln>
                 <a:noFill/>
               </a:ln>
@@ -10499,7 +10304,7 @@
           <a:p>
             <a:pPr algn="ctr"/>
             <a:r>
-              <a:rPr lang="zh-CN" altLang="en-US" sz="1600" smtClean="0">
+              <a:rPr lang="zh-CN" altLang="en-US" sz="1600">
                 <a:solidFill>
                   <a:schemeClr val="tx1"/>
                 </a:solidFill>
@@ -10566,13 +10371,6 @@
               </a:rPr>
               <a:t>社保</a:t>
             </a:r>
-            <a:endParaRPr lang="zh-CN" altLang="en-US" sz="1600" smtClean="0">
-              <a:solidFill>
-                <a:schemeClr val="tx1"/>
-              </a:solidFill>
-              <a:latin typeface="华文楷体" panose="02010600040101010101" pitchFamily="2" charset="-122"/>
-              <a:ea typeface="华文楷体" panose="02010600040101010101" pitchFamily="2" charset="-122"/>
-            </a:endParaRPr>
           </a:p>
         </p:txBody>
       </p:sp>
@@ -10595,7 +10393,7 @@
           </a:ln>
           <a:extLst>
             <a:ext uri="{C572A759-6A51-4108-AA02-DFA0A04FC94B}">
-              <ma14:wrappingTextBoxFlag xmlns="" xmlns:ma14="http://schemas.microsoft.com/office/mac/drawingml/2011/main" val="1"/>
+              <ma14:wrappingTextBoxFlag xmlns:ma14="http://schemas.microsoft.com/office/mac/drawingml/2011/main" xmlns="" val="1"/>
             </a:ext>
           </a:extLst>
         </p:spPr>
@@ -10618,7 +10416,7 @@
           </a:lstStyle>
           <a:p>
             <a:r>
-              <a:rPr lang="zh-CN" altLang="en-US" smtClean="0">
+              <a:rPr lang="zh-CN" altLang="en-US">
                 <a:solidFill>
                   <a:schemeClr val="tx1"/>
                 </a:solidFill>
@@ -10744,26 +10542,26 @@
               <a:buChar char="•"/>
             </a:pPr>
             <a:r>
-              <a:rPr lang="zh-CN" altLang="en-US" sz="1400" smtClean="0">
+              <a:rPr lang="zh-CN" altLang="en-US" sz="1400">
                 <a:latin typeface="微软雅黑" panose="020B0503020204020204" pitchFamily="34" charset="-122"/>
                 <a:ea typeface="微软雅黑" panose="020B0503020204020204" pitchFamily="34" charset="-122"/>
               </a:rPr>
               <a:t>在合作方平台上，</a:t>
             </a:r>
-            <a:endParaRPr lang="en-US" altLang="zh-CN" sz="1400" smtClean="0">
+            <a:endParaRPr lang="en-US" altLang="zh-CN" sz="1400">
               <a:latin typeface="微软雅黑" panose="020B0503020204020204" pitchFamily="34" charset="-122"/>
               <a:ea typeface="微软雅黑" panose="020B0503020204020204" pitchFamily="34" charset="-122"/>
             </a:endParaRPr>
           </a:p>
           <a:p>
             <a:r>
-              <a:rPr lang="zh-CN" altLang="en-US" sz="1400" smtClean="0">
+              <a:rPr lang="zh-CN" altLang="en-US" sz="1400">
                 <a:latin typeface="微软雅黑" panose="020B0503020204020204" pitchFamily="34" charset="-122"/>
                 <a:ea typeface="微软雅黑" panose="020B0503020204020204" pitchFamily="34" charset="-122"/>
               </a:rPr>
               <a:t>设置固定入口</a:t>
             </a:r>
-            <a:endParaRPr lang="zh-CN" altLang="en-US" sz="1100" smtClean="0">
+            <a:endParaRPr lang="zh-CN" altLang="en-US" sz="1100">
               <a:latin typeface="微软雅黑" panose="020B0503020204020204" pitchFamily="34" charset="-122"/>
               <a:ea typeface="微软雅黑" panose="020B0503020204020204" pitchFamily="34" charset="-122"/>
             </a:endParaRPr>
@@ -10810,7 +10608,7 @@
           <a:lstStyle/>
           <a:p>
             <a:pPr algn="ctr"/>
-            <a:endParaRPr lang="zh-CN" altLang="en-US" sz="1600" smtClean="0">
+            <a:endParaRPr lang="zh-CN" altLang="en-US" sz="1600">
               <a:solidFill>
                 <a:schemeClr val="tx1"/>
               </a:solidFill>
@@ -10839,7 +10637,7 @@
           </a:ln>
           <a:extLst>
             <a:ext uri="{C572A759-6A51-4108-AA02-DFA0A04FC94B}">
-              <ma14:wrappingTextBoxFlag xmlns="" xmlns:ma14="http://schemas.microsoft.com/office/mac/drawingml/2011/main" val="1"/>
+              <ma14:wrappingTextBoxFlag xmlns:ma14="http://schemas.microsoft.com/office/mac/drawingml/2011/main" xmlns="" val="1"/>
             </a:ext>
           </a:extLst>
         </p:spPr>
@@ -10862,7 +10660,7 @@
           </a:lstStyle>
           <a:p>
             <a:r>
-              <a:rPr lang="en-US" altLang="zh-CN" smtClean="0">
+              <a:rPr lang="en-US" altLang="zh-CN">
                 <a:solidFill>
                   <a:schemeClr val="tx1"/>
                 </a:solidFill>
@@ -10872,7 +10670,7 @@
               <a:t>H5</a:t>
             </a:r>
             <a:r>
-              <a:rPr lang="zh-CN" altLang="en-US" smtClean="0">
+              <a:rPr lang="zh-CN" altLang="en-US">
                 <a:solidFill>
                   <a:schemeClr val="tx1"/>
                 </a:solidFill>
@@ -10882,7 +10680,7 @@
               <a:t>合作模式业务流程（</a:t>
             </a:r>
             <a:r>
-              <a:rPr lang="en-US" altLang="zh-CN" smtClean="0">
+              <a:rPr lang="en-US" altLang="zh-CN">
                 <a:solidFill>
                   <a:schemeClr val="tx1"/>
                 </a:solidFill>
@@ -10892,7 +10690,7 @@
               <a:t>1</a:t>
             </a:r>
             <a:r>
-              <a:rPr lang="zh-CN" altLang="en-US" smtClean="0">
+              <a:rPr lang="zh-CN" altLang="en-US">
                 <a:solidFill>
                   <a:schemeClr val="tx1"/>
                 </a:solidFill>
@@ -10902,7 +10700,7 @@
               <a:t>）</a:t>
             </a:r>
             <a:r>
-              <a:rPr lang="en-US" altLang="zh-CN" smtClean="0">
+              <a:rPr lang="en-US" altLang="zh-CN">
                 <a:solidFill>
                   <a:schemeClr val="tx1"/>
                 </a:solidFill>
@@ -10912,7 +10710,7 @@
               <a:t>-</a:t>
             </a:r>
             <a:r>
-              <a:rPr lang="zh-CN" altLang="en-US" smtClean="0">
+              <a:rPr lang="zh-CN" altLang="en-US">
                 <a:solidFill>
                   <a:schemeClr val="tx1"/>
                 </a:solidFill>
@@ -11029,16 +10827,12 @@
               </a:buClr>
             </a:pPr>
             <a:r>
-              <a:rPr lang="zh-CN" altLang="en-US" sz="1400" b="1" noProof="1" smtClean="0">
+              <a:rPr lang="zh-CN" altLang="en-US" sz="1400" b="1" noProof="1">
                 <a:latin typeface="华文楷体" panose="02010600040101010101" pitchFamily="2" charset="-122"/>
                 <a:ea typeface="华文楷体" panose="02010600040101010101" pitchFamily="2" charset="-122"/>
               </a:rPr>
               <a:t>新一贷产品介绍</a:t>
             </a:r>
-            <a:endParaRPr lang="zh-CN" altLang="en-US" sz="1400" b="1" noProof="1">
-              <a:latin typeface="华文楷体" panose="02010600040101010101" pitchFamily="2" charset="-122"/>
-              <a:ea typeface="华文楷体" panose="02010600040101010101" pitchFamily="2" charset="-122"/>
-            </a:endParaRPr>
           </a:p>
         </p:txBody>
       </p:sp>
@@ -11076,16 +10870,12 @@
               </a:buClr>
             </a:pPr>
             <a:r>
-              <a:rPr lang="zh-CN" altLang="en-US" sz="1400" b="1" noProof="1" smtClean="0">
+              <a:rPr lang="zh-CN" altLang="en-US" sz="1400" b="1" noProof="1">
                 <a:latin typeface="华文楷体" panose="02010600040101010101" pitchFamily="2" charset="-122"/>
                 <a:ea typeface="华文楷体" panose="02010600040101010101" pitchFamily="2" charset="-122"/>
               </a:rPr>
               <a:t>申请信息填写</a:t>
             </a:r>
-            <a:endParaRPr lang="zh-CN" altLang="en-US" sz="1400" b="1" noProof="1">
-              <a:latin typeface="华文楷体" panose="02010600040101010101" pitchFamily="2" charset="-122"/>
-              <a:ea typeface="华文楷体" panose="02010600040101010101" pitchFamily="2" charset="-122"/>
-            </a:endParaRPr>
           </a:p>
         </p:txBody>
       </p:sp>
@@ -11127,21 +10917,7 @@
                 <a:latin typeface="华文楷体" panose="02010600040101010101" pitchFamily="2" charset="-122"/>
                 <a:ea typeface="华文楷体" panose="02010600040101010101" pitchFamily="2" charset="-122"/>
               </a:rPr>
-              <a:t>申</a:t>
-            </a:r>
-            <a:r>
-              <a:rPr lang="zh-CN" altLang="en-US" sz="1400" b="1" noProof="1" smtClean="0">
-                <a:latin typeface="华文楷体" panose="02010600040101010101" pitchFamily="2" charset="-122"/>
-                <a:ea typeface="华文楷体" panose="02010600040101010101" pitchFamily="2" charset="-122"/>
-              </a:rPr>
-              <a:t>请</a:t>
-            </a:r>
-            <a:r>
-              <a:rPr lang="zh-CN" altLang="en-US" sz="1400" b="1" noProof="1">
-                <a:latin typeface="华文楷体" panose="02010600040101010101" pitchFamily="2" charset="-122"/>
-                <a:ea typeface="华文楷体" panose="02010600040101010101" pitchFamily="2" charset="-122"/>
-              </a:rPr>
-              <a:t>提交</a:t>
+              <a:t>申请提交</a:t>
             </a:r>
           </a:p>
         </p:txBody>
@@ -11516,13 +11292,6 @@
   <p:clrMapOvr>
     <a:masterClrMapping/>
   </p:clrMapOvr>
-  <p:timing>
-    <p:tnLst>
-      <p:par>
-        <p:cTn id="1" dur="indefinite" restart="never" nodeType="tmRoot"/>
-      </p:par>
-    </p:tnLst>
-  </p:timing>
 </p:sld>
 </file>
 
@@ -11562,7 +11331,7 @@
           </a:ln>
           <a:extLst>
             <a:ext uri="{C572A759-6A51-4108-AA02-DFA0A04FC94B}">
-              <ma14:wrappingTextBoxFlag xmlns="" xmlns:ma14="http://schemas.microsoft.com/office/mac/drawingml/2011/main" val="1"/>
+              <ma14:wrappingTextBoxFlag xmlns:ma14="http://schemas.microsoft.com/office/mac/drawingml/2011/main" xmlns="" val="1"/>
             </a:ext>
           </a:extLst>
         </p:spPr>
@@ -11602,20 +11371,10 @@
                 <a:latin typeface="微软雅黑" panose="020B0503020204020204" pitchFamily="34" charset="-122"/>
                 <a:ea typeface="微软雅黑" panose="020B0503020204020204" pitchFamily="34" charset="-122"/>
               </a:rPr>
-              <a:t>合作模式业务流程</a:t>
-            </a:r>
-            <a:r>
-              <a:rPr lang="zh-CN" altLang="en-US" smtClean="0">
-                <a:solidFill>
-                  <a:schemeClr val="tx1"/>
-                </a:solidFill>
-                <a:latin typeface="微软雅黑" panose="020B0503020204020204" pitchFamily="34" charset="-122"/>
-                <a:ea typeface="微软雅黑" panose="020B0503020204020204" pitchFamily="34" charset="-122"/>
-              </a:rPr>
-              <a:t>（</a:t>
-            </a:r>
-            <a:r>
-              <a:rPr lang="en-US" altLang="zh-CN" smtClean="0">
+              <a:t>合作模式业务流程（</a:t>
+            </a:r>
+            <a:r>
+              <a:rPr lang="en-US" altLang="zh-CN">
                 <a:solidFill>
                   <a:schemeClr val="tx1"/>
                 </a:solidFill>
@@ -11625,7 +11384,7 @@
               <a:t>2</a:t>
             </a:r>
             <a:r>
-              <a:rPr lang="zh-CN" altLang="en-US" smtClean="0">
+              <a:rPr lang="zh-CN" altLang="en-US">
                 <a:solidFill>
                   <a:schemeClr val="tx1"/>
                 </a:solidFill>
@@ -11635,7 +11394,7 @@
               <a:t>） </a:t>
             </a:r>
             <a:r>
-              <a:rPr lang="en-US" altLang="zh-CN" smtClean="0">
+              <a:rPr lang="en-US" altLang="zh-CN">
                 <a:solidFill>
                   <a:schemeClr val="tx1"/>
                 </a:solidFill>
@@ -11645,7 +11404,7 @@
               <a:t>-</a:t>
             </a:r>
             <a:r>
-              <a:rPr lang="zh-CN" altLang="en-US" smtClean="0">
+              <a:rPr lang="zh-CN" altLang="en-US">
                 <a:solidFill>
                   <a:schemeClr val="tx1"/>
                 </a:solidFill>
@@ -11655,7 +11414,7 @@
               <a:t>名单</a:t>
             </a:r>
             <a:r>
-              <a:rPr lang="en-US" altLang="zh-CN" smtClean="0">
+              <a:rPr lang="en-US" altLang="zh-CN">
                 <a:solidFill>
                   <a:schemeClr val="tx1"/>
                 </a:solidFill>
@@ -11665,7 +11424,7 @@
               <a:t>T</a:t>
             </a:r>
             <a:r>
-              <a:rPr lang="zh-CN" altLang="en-US" smtClean="0">
+              <a:rPr lang="zh-CN" altLang="en-US">
                 <a:solidFill>
                   <a:schemeClr val="tx1"/>
                 </a:solidFill>
@@ -11674,7 +11433,7 @@
               </a:rPr>
               <a:t>端处理流程</a:t>
             </a:r>
-            <a:endParaRPr lang="zh-CN" altLang="en-US" noProof="1" smtClean="0">
+            <a:endParaRPr lang="zh-CN" altLang="en-US" noProof="1">
               <a:solidFill>
                 <a:schemeClr val="tx1"/>
               </a:solidFill>
@@ -12211,18 +11970,11 @@
   <p:clrMapOvr>
     <a:masterClrMapping/>
   </p:clrMapOvr>
-  <p:timing>
-    <p:tnLst>
-      <p:par>
-        <p:cTn id="1" dur="indefinite" restart="never" nodeType="tmRoot"/>
-      </p:par>
-    </p:tnLst>
-  </p:timing>
 </p:sld>
 </file>
 
 <file path=ppt/slides/slide5.xml><?xml version="1.0" encoding="utf-8"?>
-<p:sld xmlns:a="http://schemas.openxmlformats.org/drawingml/2006/main" xmlns:r="http://schemas.openxmlformats.org/officeDocument/2006/relationships" xmlns:p="http://schemas.openxmlformats.org/presentationml/2006/main" show="0">
+<p:sld xmlns:a="http://schemas.openxmlformats.org/drawingml/2006/main" xmlns:r="http://schemas.openxmlformats.org/officeDocument/2006/relationships" xmlns:p="http://schemas.openxmlformats.org/presentationml/2006/main">
   <p:cSld>
     <p:spTree>
       <p:nvGrpSpPr>
@@ -12257,7 +12009,7 @@
           </a:ln>
           <a:extLst>
             <a:ext uri="{C572A759-6A51-4108-AA02-DFA0A04FC94B}">
-              <ma14:wrappingTextBoxFlag xmlns="" xmlns:ma14="http://schemas.microsoft.com/office/mac/drawingml/2011/main" val="1"/>
+              <ma14:wrappingTextBoxFlag xmlns:ma14="http://schemas.microsoft.com/office/mac/drawingml/2011/main" xmlns="" val="1"/>
             </a:ext>
           </a:extLst>
         </p:spPr>
@@ -12280,36 +12032,12 @@
           </a:lstStyle>
           <a:p>
             <a:r>
-              <a:rPr lang="zh-CN" altLang="en-US" smtClean="0">
-                <a:solidFill>
-                  <a:schemeClr val="tx1"/>
-                </a:solidFill>
-              </a:rPr>
-              <a:t>合</a:t>
-            </a:r>
-            <a:r>
-              <a:rPr lang="zh-CN" altLang="en-US" smtClean="0">
-                <a:solidFill>
-                  <a:schemeClr val="tx1"/>
-                </a:solidFill>
-              </a:rPr>
-              <a:t>作</a:t>
-            </a:r>
-            <a:r>
               <a:rPr lang="zh-CN" altLang="en-US">
                 <a:solidFill>
                   <a:schemeClr val="tx1"/>
                 </a:solidFill>
               </a:rPr>
-              <a:t>费</a:t>
-            </a:r>
-            <a:r>
-              <a:rPr lang="zh-CN" altLang="en-US" smtClean="0">
-                <a:solidFill>
-                  <a:schemeClr val="tx1"/>
-                </a:solidFill>
-              </a:rPr>
-              <a:t>用标准</a:t>
+              <a:t>合作费用标准</a:t>
             </a:r>
             <a:endParaRPr>
               <a:solidFill>
@@ -12370,30 +12098,12 @@
           <a:lstStyle/>
           <a:p>
             <a:r>
-              <a:rPr lang="zh-CN" altLang="en-US" sz="1200" smtClean="0">
+              <a:rPr lang="zh-CN" altLang="en-US" sz="1200">
                 <a:latin typeface="微软雅黑" panose="020B0503020204020204" pitchFamily="34" charset="-122"/>
                 <a:ea typeface="微软雅黑" panose="020B0503020204020204" pitchFamily="34" charset="-122"/>
               </a:rPr>
-              <a:t>下</a:t>
-            </a:r>
-            <a:r>
-              <a:rPr lang="zh-CN" altLang="en-US" sz="1200" smtClean="0">
-                <a:latin typeface="微软雅黑" panose="020B0503020204020204" pitchFamily="34" charset="-122"/>
-                <a:ea typeface="微软雅黑" panose="020B0503020204020204" pitchFamily="34" charset="-122"/>
-              </a:rPr>
-              <a:t>表为最高费</a:t>
-            </a:r>
-            <a:r>
-              <a:rPr lang="zh-CN" altLang="en-US" sz="1200" smtClean="0">
-                <a:latin typeface="微软雅黑" panose="020B0503020204020204" pitchFamily="34" charset="-122"/>
-                <a:ea typeface="微软雅黑" panose="020B0503020204020204" pitchFamily="34" charset="-122"/>
-              </a:rPr>
-              <a:t>率，按月结算给平台合作方</a:t>
-            </a:r>
-            <a:endParaRPr lang="zh-CN" altLang="en-US" sz="1200" smtClean="0">
-              <a:latin typeface="微软雅黑" panose="020B0503020204020204" pitchFamily="34" charset="-122"/>
-              <a:ea typeface="微软雅黑" panose="020B0503020204020204" pitchFamily="34" charset="-122"/>
-            </a:endParaRPr>
+              <a:t>下表为最高费率，按月结算给平台合作方</a:t>
+            </a:r>
           </a:p>
         </p:txBody>
       </p:sp>
@@ -12422,8 +12132,20 @@
                 <a:tableStyleId>{93296810-A885-4BE3-A3E7-6D5BEEA58F35}</a:tableStyleId>
               </a:tblPr>
               <a:tblGrid>
-                <a:gridCol w="2025225"/>
-                <a:gridCol w="1665185"/>
+                <a:gridCol w="2025225">
+                  <a:extLst>
+                    <a:ext uri="{9D8B030D-6E8A-4147-A177-3AD203B41FA5}">
+                      <a16:colId xmlns:a16="http://schemas.microsoft.com/office/drawing/2014/main" val="20000"/>
+                    </a:ext>
+                  </a:extLst>
+                </a:gridCol>
+                <a:gridCol w="1665185">
+                  <a:extLst>
+                    <a:ext uri="{9D8B030D-6E8A-4147-A177-3AD203B41FA5}">
+                      <a16:colId xmlns:a16="http://schemas.microsoft.com/office/drawing/2014/main" val="20001"/>
+                    </a:ext>
+                  </a:extLst>
+                </a:gridCol>
               </a:tblGrid>
               <a:tr h="340062">
                 <a:tc>
@@ -12433,16 +12155,12 @@
                     <a:p>
                       <a:pPr algn="ctr"/>
                       <a:r>
-                        <a:rPr lang="zh-CN" altLang="en-US" sz="1400" smtClean="0">
+                        <a:rPr lang="zh-CN" altLang="en-US" sz="1400">
                           <a:latin typeface="微软雅黑" panose="020B0503020204020204" pitchFamily="34" charset="-122"/>
                           <a:ea typeface="微软雅黑" panose="020B0503020204020204" pitchFamily="34" charset="-122"/>
                         </a:rPr>
                         <a:t>月发放金额（万）</a:t>
                       </a:r>
-                      <a:endParaRPr lang="zh-CN" altLang="en-US" sz="1400">
-                        <a:latin typeface="微软雅黑" panose="020B0503020204020204" pitchFamily="34" charset="-122"/>
-                        <a:ea typeface="微软雅黑" panose="020B0503020204020204" pitchFamily="34" charset="-122"/>
-                      </a:endParaRPr>
                     </a:p>
                   </a:txBody>
                   <a:tcPr/>
@@ -12454,20 +12172,21 @@
                     <a:p>
                       <a:pPr algn="ctr"/>
                       <a:r>
-                        <a:rPr lang="zh-CN" altLang="en-US" sz="1400" smtClean="0">
+                        <a:rPr lang="zh-CN" altLang="en-US" sz="1400">
                           <a:latin typeface="微软雅黑" panose="020B0503020204020204" pitchFamily="34" charset="-122"/>
                           <a:ea typeface="微软雅黑" panose="020B0503020204020204" pitchFamily="34" charset="-122"/>
                         </a:rPr>
                         <a:t>最高费率</a:t>
                       </a:r>
-                      <a:endParaRPr lang="zh-CN" altLang="en-US" sz="1400">
-                        <a:latin typeface="微软雅黑" panose="020B0503020204020204" pitchFamily="34" charset="-122"/>
-                        <a:ea typeface="微软雅黑" panose="020B0503020204020204" pitchFamily="34" charset="-122"/>
-                      </a:endParaRPr>
                     </a:p>
                   </a:txBody>
                   <a:tcPr/>
                 </a:tc>
+                <a:extLst>
+                  <a:ext uri="{0D108BD9-81ED-4DB2-BD59-A6C34878D82A}">
+                    <a16:rowId xmlns:a16="http://schemas.microsoft.com/office/drawing/2014/main" val="10000"/>
+                  </a:ext>
+                </a:extLst>
               </a:tr>
               <a:tr h="340062">
                 <a:tc>
@@ -12477,28 +12196,28 @@
                     <a:p>
                       <a:pPr algn="ctr"/>
                       <a:r>
-                        <a:rPr lang="zh-CN" altLang="en-US" sz="1200" smtClean="0">
+                        <a:rPr lang="zh-CN" altLang="en-US" sz="1200">
                           <a:latin typeface="微软雅黑" panose="020B0503020204020204" pitchFamily="34" charset="-122"/>
                           <a:ea typeface="微软雅黑" panose="020B0503020204020204" pitchFamily="34" charset="-122"/>
                         </a:rPr>
                         <a:t>（</a:t>
                       </a:r>
                       <a:r>
-                        <a:rPr lang="en-US" altLang="zh-CN" sz="1200" smtClean="0">
+                        <a:rPr lang="en-US" altLang="zh-CN" sz="1200">
                           <a:latin typeface="微软雅黑" panose="020B0503020204020204" pitchFamily="34" charset="-122"/>
                           <a:ea typeface="微软雅黑" panose="020B0503020204020204" pitchFamily="34" charset="-122"/>
                         </a:rPr>
                         <a:t>0</a:t>
                       </a:r>
                       <a:r>
-                        <a:rPr lang="zh-CN" altLang="en-US" sz="1200" smtClean="0">
+                        <a:rPr lang="zh-CN" altLang="en-US" sz="1200">
                           <a:latin typeface="微软雅黑" panose="020B0503020204020204" pitchFamily="34" charset="-122"/>
                           <a:ea typeface="微软雅黑" panose="020B0503020204020204" pitchFamily="34" charset="-122"/>
                         </a:rPr>
                         <a:t>，</a:t>
                       </a:r>
                       <a:r>
-                        <a:rPr lang="en-US" altLang="zh-CN" sz="1200" smtClean="0">
+                        <a:rPr lang="en-US" altLang="zh-CN" sz="1200">
                           <a:latin typeface="微软雅黑" panose="020B0503020204020204" pitchFamily="34" charset="-122"/>
                           <a:ea typeface="微软雅黑" panose="020B0503020204020204" pitchFamily="34" charset="-122"/>
                         </a:rPr>
@@ -12519,7 +12238,7 @@
                     <a:p>
                       <a:pPr algn="ctr"/>
                       <a:r>
-                        <a:rPr lang="en-US" altLang="zh-CN" sz="1200" smtClean="0">
+                        <a:rPr lang="en-US" altLang="zh-CN" sz="1200">
                           <a:latin typeface="微软雅黑" panose="020B0503020204020204" pitchFamily="34" charset="-122"/>
                           <a:ea typeface="微软雅黑" panose="020B0503020204020204" pitchFamily="34" charset="-122"/>
                         </a:rPr>
@@ -12533,6 +12252,11 @@
                   </a:txBody>
                   <a:tcPr anchor="ctr"/>
                 </a:tc>
+                <a:extLst>
+                  <a:ext uri="{0D108BD9-81ED-4DB2-BD59-A6C34878D82A}">
+                    <a16:rowId xmlns:a16="http://schemas.microsoft.com/office/drawing/2014/main" val="10001"/>
+                  </a:ext>
+                </a:extLst>
               </a:tr>
               <a:tr h="340062">
                 <a:tc>
@@ -12542,21 +12266,21 @@
                     <a:p>
                       <a:pPr algn="ctr"/>
                       <a:r>
-                        <a:rPr lang="en-US" altLang="zh-CN" sz="1200" smtClean="0">
+                        <a:rPr lang="en-US" altLang="zh-CN" sz="1200">
                           <a:latin typeface="微软雅黑" panose="020B0503020204020204" pitchFamily="34" charset="-122"/>
                           <a:ea typeface="微软雅黑" panose="020B0503020204020204" pitchFamily="34" charset="-122"/>
                         </a:rPr>
                         <a:t>[200</a:t>
                       </a:r>
                       <a:r>
-                        <a:rPr lang="zh-CN" altLang="en-US" sz="1200" smtClean="0">
+                        <a:rPr lang="zh-CN" altLang="en-US" sz="1200">
                           <a:latin typeface="微软雅黑" panose="020B0503020204020204" pitchFamily="34" charset="-122"/>
                           <a:ea typeface="微软雅黑" panose="020B0503020204020204" pitchFamily="34" charset="-122"/>
                         </a:rPr>
                         <a:t>，</a:t>
                       </a:r>
                       <a:r>
-                        <a:rPr lang="en-US" altLang="zh-CN" sz="1200" smtClean="0">
+                        <a:rPr lang="en-US" altLang="zh-CN" sz="1200">
                           <a:latin typeface="微软雅黑" panose="020B0503020204020204" pitchFamily="34" charset="-122"/>
                           <a:ea typeface="微软雅黑" panose="020B0503020204020204" pitchFamily="34" charset="-122"/>
                         </a:rPr>
@@ -12577,7 +12301,7 @@
                     <a:p>
                       <a:pPr algn="ctr"/>
                       <a:r>
-                        <a:rPr lang="en-US" altLang="zh-CN" sz="1200" smtClean="0">
+                        <a:rPr lang="en-US" altLang="zh-CN" sz="1200">
                           <a:latin typeface="微软雅黑" panose="020B0503020204020204" pitchFamily="34" charset="-122"/>
                           <a:ea typeface="微软雅黑" panose="020B0503020204020204" pitchFamily="34" charset="-122"/>
                         </a:rPr>
@@ -12591,6 +12315,11 @@
                   </a:txBody>
                   <a:tcPr anchor="ctr"/>
                 </a:tc>
+                <a:extLst>
+                  <a:ext uri="{0D108BD9-81ED-4DB2-BD59-A6C34878D82A}">
+                    <a16:rowId xmlns:a16="http://schemas.microsoft.com/office/drawing/2014/main" val="10002"/>
+                  </a:ext>
+                </a:extLst>
               </a:tr>
               <a:tr h="340062">
                 <a:tc>
@@ -12600,21 +12329,21 @@
                     <a:p>
                       <a:pPr algn="ctr"/>
                       <a:r>
-                        <a:rPr lang="en-US" altLang="zh-CN" sz="1200" smtClean="0">
+                        <a:rPr lang="en-US" altLang="zh-CN" sz="1200">
                           <a:latin typeface="微软雅黑" panose="020B0503020204020204" pitchFamily="34" charset="-122"/>
                           <a:ea typeface="微软雅黑" panose="020B0503020204020204" pitchFamily="34" charset="-122"/>
                         </a:rPr>
                         <a:t>[500</a:t>
                       </a:r>
                       <a:r>
-                        <a:rPr lang="zh-CN" altLang="en-US" sz="1200" smtClean="0">
+                        <a:rPr lang="zh-CN" altLang="en-US" sz="1200">
                           <a:latin typeface="微软雅黑" panose="020B0503020204020204" pitchFamily="34" charset="-122"/>
                           <a:ea typeface="微软雅黑" panose="020B0503020204020204" pitchFamily="34" charset="-122"/>
                         </a:rPr>
                         <a:t>，</a:t>
                       </a:r>
                       <a:r>
-                        <a:rPr lang="en-US" altLang="zh-CN" sz="1200" smtClean="0">
+                        <a:rPr lang="en-US" altLang="zh-CN" sz="1200">
                           <a:latin typeface="微软雅黑" panose="020B0503020204020204" pitchFamily="34" charset="-122"/>
                           <a:ea typeface="微软雅黑" panose="020B0503020204020204" pitchFamily="34" charset="-122"/>
                         </a:rPr>
@@ -12635,7 +12364,7 @@
                     <a:p>
                       <a:pPr algn="ctr"/>
                       <a:r>
-                        <a:rPr lang="en-US" altLang="zh-CN" sz="1200" smtClean="0">
+                        <a:rPr lang="en-US" altLang="zh-CN" sz="1200">
                           <a:latin typeface="微软雅黑" panose="020B0503020204020204" pitchFamily="34" charset="-122"/>
                           <a:ea typeface="微软雅黑" panose="020B0503020204020204" pitchFamily="34" charset="-122"/>
                         </a:rPr>
@@ -12649,6 +12378,11 @@
                   </a:txBody>
                   <a:tcPr anchor="ctr"/>
                 </a:tc>
+                <a:extLst>
+                  <a:ext uri="{0D108BD9-81ED-4DB2-BD59-A6C34878D82A}">
+                    <a16:rowId xmlns:a16="http://schemas.microsoft.com/office/drawing/2014/main" val="10003"/>
+                  </a:ext>
+                </a:extLst>
               </a:tr>
               <a:tr h="340062">
                 <a:tc>
@@ -12658,23 +12392,19 @@
                     <a:p>
                       <a:pPr algn="ctr"/>
                       <a:r>
-                        <a:rPr lang="en-US" altLang="zh-CN" sz="1200" smtClean="0">
+                        <a:rPr lang="en-US" altLang="zh-CN" sz="1200">
                           <a:latin typeface="微软雅黑" panose="020B0503020204020204" pitchFamily="34" charset="-122"/>
                           <a:ea typeface="微软雅黑" panose="020B0503020204020204" pitchFamily="34" charset="-122"/>
                         </a:rPr>
                         <a:t>[1000,+∞</a:t>
                       </a:r>
                       <a:r>
-                        <a:rPr lang="zh-CN" altLang="en-US" sz="1200" smtClean="0">
+                        <a:rPr lang="zh-CN" altLang="en-US" sz="1200">
                           <a:latin typeface="微软雅黑" panose="020B0503020204020204" pitchFamily="34" charset="-122"/>
                           <a:ea typeface="微软雅黑" panose="020B0503020204020204" pitchFamily="34" charset="-122"/>
                         </a:rPr>
                         <a:t>）</a:t>
                       </a:r>
-                      <a:endParaRPr lang="zh-CN" altLang="en-US" sz="1200">
-                        <a:latin typeface="微软雅黑" panose="020B0503020204020204" pitchFamily="34" charset="-122"/>
-                        <a:ea typeface="微软雅黑" panose="020B0503020204020204" pitchFamily="34" charset="-122"/>
-                      </a:endParaRPr>
                     </a:p>
                   </a:txBody>
                   <a:tcPr anchor="ctr"/>
@@ -12686,7 +12416,7 @@
                     <a:p>
                       <a:pPr algn="ctr"/>
                       <a:r>
-                        <a:rPr lang="en-US" altLang="zh-CN" sz="1200" smtClean="0">
+                        <a:rPr lang="en-US" altLang="zh-CN" sz="1200">
                           <a:latin typeface="微软雅黑" panose="020B0503020204020204" pitchFamily="34" charset="-122"/>
                           <a:ea typeface="微软雅黑" panose="020B0503020204020204" pitchFamily="34" charset="-122"/>
                         </a:rPr>
@@ -12700,6 +12430,11 @@
                   </a:txBody>
                   <a:tcPr anchor="ctr"/>
                 </a:tc>
+                <a:extLst>
+                  <a:ext uri="{0D108BD9-81ED-4DB2-BD59-A6C34878D82A}">
+                    <a16:rowId xmlns:a16="http://schemas.microsoft.com/office/drawing/2014/main" val="10004"/>
+                  </a:ext>
+                </a:extLst>
               </a:tr>
             </a:tbl>
           </a:graphicData>
@@ -12720,7 +12455,7 @@
 </file>
 
 <file path=ppt/slides/slide6.xml><?xml version="1.0" encoding="utf-8"?>
-<p:sld xmlns:a="http://schemas.openxmlformats.org/drawingml/2006/main" xmlns:r="http://schemas.openxmlformats.org/officeDocument/2006/relationships" xmlns:p="http://schemas.openxmlformats.org/presentationml/2006/main" show="0">
+<p:sld xmlns:a="http://schemas.openxmlformats.org/drawingml/2006/main" xmlns:r="http://schemas.openxmlformats.org/officeDocument/2006/relationships" xmlns:p="http://schemas.openxmlformats.org/presentationml/2006/main">
   <p:cSld>
     <p:spTree>
       <p:nvGrpSpPr>
@@ -12755,7 +12490,7 @@
           </a:ln>
           <a:extLst>
             <a:ext uri="{C572A759-6A51-4108-AA02-DFA0A04FC94B}">
-              <ma14:wrappingTextBoxFlag xmlns="" xmlns:ma14="http://schemas.microsoft.com/office/mac/drawingml/2011/main" val="1"/>
+              <ma14:wrappingTextBoxFlag xmlns:ma14="http://schemas.microsoft.com/office/mac/drawingml/2011/main" xmlns="" val="1"/>
             </a:ext>
           </a:extLst>
         </p:spPr>
@@ -12778,7 +12513,7 @@
           </a:lstStyle>
           <a:p>
             <a:r>
-              <a:rPr lang="zh-CN" altLang="en-US" smtClean="0">
+              <a:rPr lang="zh-CN" altLang="en-US">
                 <a:solidFill>
                   <a:schemeClr val="tx1"/>
                 </a:solidFill>
@@ -12851,18 +12586,11 @@
               <a:buChar char="p"/>
             </a:pPr>
             <a:r>
-              <a:rPr lang="zh-CN" altLang="en-US" sz="1200" smtClean="0">
-                <a:latin typeface="微软雅黑" panose="020B0503020204020204" pitchFamily="34" charset="-122"/>
-                <a:ea typeface="微软雅黑" panose="020B0503020204020204" pitchFamily="34" charset="-122"/>
-              </a:rPr>
-              <a:t>企</a:t>
-            </a:r>
-            <a:r>
               <a:rPr lang="zh-CN" altLang="en-US" sz="1200">
                 <a:latin typeface="微软雅黑" panose="020B0503020204020204" pitchFamily="34" charset="-122"/>
                 <a:ea typeface="微软雅黑" panose="020B0503020204020204" pitchFamily="34" charset="-122"/>
               </a:rPr>
-              <a:t>业连续经营年限</a:t>
+              <a:t>企业连续经营年限</a:t>
             </a:r>
             <a:r>
               <a:rPr lang="en-US" altLang="zh-CN" sz="1200">
@@ -12902,18 +12630,11 @@
               <a:buChar char="p"/>
             </a:pPr>
             <a:r>
-              <a:rPr lang="zh-CN" altLang="en-US" sz="1200" smtClean="0">
-                <a:latin typeface="微软雅黑" panose="020B0503020204020204" pitchFamily="34" charset="-122"/>
-                <a:ea typeface="微软雅黑" panose="020B0503020204020204" pitchFamily="34" charset="-122"/>
-              </a:rPr>
-              <a:t>注</a:t>
-            </a:r>
-            <a:r>
               <a:rPr lang="zh-CN" altLang="en-US" sz="1200">
                 <a:latin typeface="微软雅黑" panose="020B0503020204020204" pitchFamily="34" charset="-122"/>
                 <a:ea typeface="微软雅黑" panose="020B0503020204020204" pitchFamily="34" charset="-122"/>
               </a:rPr>
-              <a:t>册资本不低于</a:t>
+              <a:t>注册资本不低于</a:t>
             </a:r>
             <a:r>
               <a:rPr lang="en-US" altLang="zh-CN" sz="1200">
@@ -12967,18 +12688,11 @@
               <a:buChar char="p"/>
             </a:pPr>
             <a:r>
-              <a:rPr lang="zh-CN" altLang="en-US" sz="1200" smtClean="0">
-                <a:latin typeface="微软雅黑" panose="020B0503020204020204" pitchFamily="34" charset="-122"/>
-                <a:ea typeface="微软雅黑" panose="020B0503020204020204" pitchFamily="34" charset="-122"/>
-              </a:rPr>
-              <a:t>企</a:t>
-            </a:r>
-            <a:r>
               <a:rPr lang="zh-CN" altLang="en-US" sz="1200">
                 <a:latin typeface="微软雅黑" panose="020B0503020204020204" pitchFamily="34" charset="-122"/>
                 <a:ea typeface="微软雅黑" panose="020B0503020204020204" pitchFamily="34" charset="-122"/>
               </a:rPr>
-              <a:t>业</a:t>
+              <a:t>企业</a:t>
             </a:r>
             <a:r>
               <a:rPr lang="en-US" altLang="zh-CN" sz="1200">
@@ -13046,18 +12760,11 @@
               <a:buChar char="p"/>
             </a:pPr>
             <a:r>
-              <a:rPr lang="zh-CN" altLang="en-US" sz="1200" smtClean="0">
-                <a:latin typeface="微软雅黑" panose="020B0503020204020204" pitchFamily="34" charset="-122"/>
-                <a:ea typeface="微软雅黑" panose="020B0503020204020204" pitchFamily="34" charset="-122"/>
-              </a:rPr>
-              <a:t>经</a:t>
-            </a:r>
-            <a:r>
               <a:rPr lang="zh-CN" altLang="en-US" sz="1200">
                 <a:latin typeface="微软雅黑" panose="020B0503020204020204" pitchFamily="34" charset="-122"/>
                 <a:ea typeface="微软雅黑" panose="020B0503020204020204" pitchFamily="34" charset="-122"/>
               </a:rPr>
-              <a:t>营合法合规，过往不存在重大诉讼、客户投诉、违法违规事件等。企业法人股东、自然人股东无不良情况（如涉及诈骗、法律纠纷、非法募集资金等）。</a:t>
+              <a:t>经营合法合规，过往不存在重大诉讼、客户投诉、违法违规事件等。企业法人股东、自然人股东无不良情况（如涉及诈骗、法律纠纷、非法募集资金等）。</a:t>
             </a:r>
           </a:p>
           <a:p>
@@ -13069,18 +12776,11 @@
               <a:buChar char="p"/>
             </a:pPr>
             <a:r>
-              <a:rPr lang="zh-CN" altLang="en-US" sz="1200" smtClean="0">
-                <a:latin typeface="微软雅黑" panose="020B0503020204020204" pitchFamily="34" charset="-122"/>
-                <a:ea typeface="微软雅黑" panose="020B0503020204020204" pitchFamily="34" charset="-122"/>
-              </a:rPr>
-              <a:t>禁</a:t>
-            </a:r>
-            <a:r>
               <a:rPr lang="zh-CN" altLang="en-US" sz="1200">
                 <a:latin typeface="微软雅黑" panose="020B0503020204020204" pitchFamily="34" charset="-122"/>
                 <a:ea typeface="微软雅黑" panose="020B0503020204020204" pitchFamily="34" charset="-122"/>
               </a:rPr>
-              <a:t>止准入企业类型同</a:t>
+              <a:t>禁止准入企业类型同</a:t>
             </a:r>
             <a:r>
               <a:rPr lang="en-US" altLang="zh-CN" sz="1200">
@@ -13134,18 +12834,11 @@
               <a:buChar char="p"/>
             </a:pPr>
             <a:r>
-              <a:rPr lang="zh-CN" altLang="en-US" sz="1200" smtClean="0">
-                <a:latin typeface="微软雅黑" panose="020B0503020204020204" pitchFamily="34" charset="-122"/>
-                <a:ea typeface="微软雅黑" panose="020B0503020204020204" pitchFamily="34" charset="-122"/>
-              </a:rPr>
-              <a:t>对</a:t>
-            </a:r>
-            <a:r>
               <a:rPr lang="zh-CN" altLang="en-US" sz="1200">
                 <a:latin typeface="微软雅黑" panose="020B0503020204020204" pitchFamily="34" charset="-122"/>
                 <a:ea typeface="微软雅黑" panose="020B0503020204020204" pitchFamily="34" charset="-122"/>
               </a:rPr>
-              <a:t>于已经与我行开展线下合作的公司，现需要增加线上合作的情形，在符合平台准入条件的同时，对平台的费用支付、风险管理等均按线下合作要求和标准执行。</a:t>
+              <a:t>对于已经与我行开展线下合作的公司，现需要增加线上合作的情形，在符合平台准入条件的同时，对平台的费用支付、风险管理等均按线下合作要求和标准执行。</a:t>
             </a:r>
           </a:p>
           <a:p>
@@ -13157,18 +12850,11 @@
               <a:buChar char="p"/>
             </a:pPr>
             <a:r>
-              <a:rPr lang="zh-CN" altLang="en-US" sz="1200" smtClean="0">
-                <a:latin typeface="微软雅黑" panose="020B0503020204020204" pitchFamily="34" charset="-122"/>
-                <a:ea typeface="微软雅黑" panose="020B0503020204020204" pitchFamily="34" charset="-122"/>
-              </a:rPr>
-              <a:t>被</a:t>
-            </a:r>
-            <a:r>
               <a:rPr lang="zh-CN" altLang="en-US" sz="1200">
                 <a:latin typeface="微软雅黑" panose="020B0503020204020204" pitchFamily="34" charset="-122"/>
                 <a:ea typeface="微软雅黑" panose="020B0503020204020204" pitchFamily="34" charset="-122"/>
               </a:rPr>
-              <a:t>我行已清退的线下中介渠道，不得变相转换为互联网平台申请项目合作。</a:t>
+              <a:t>被我行已清退的线下中介渠道，不得变相转换为互联网平台申请项目合作。</a:t>
             </a:r>
           </a:p>
           <a:p>
@@ -13180,30 +12866,12 @@
               <a:buChar char="p"/>
             </a:pPr>
             <a:r>
-              <a:rPr lang="zh-CN" altLang="en-US" sz="1200" smtClean="0">
-                <a:latin typeface="微软雅黑" panose="020B0503020204020204" pitchFamily="34" charset="-122"/>
-                <a:ea typeface="微软雅黑" panose="020B0503020204020204" pitchFamily="34" charset="-122"/>
-              </a:rPr>
-              <a:t>与</a:t>
-            </a:r>
-            <a:r>
               <a:rPr lang="zh-CN" altLang="en-US" sz="1200">
                 <a:latin typeface="微软雅黑" panose="020B0503020204020204" pitchFamily="34" charset="-122"/>
                 <a:ea typeface="微软雅黑" panose="020B0503020204020204" pitchFamily="34" charset="-122"/>
               </a:rPr>
-              <a:t>我行合作平台不允许向客户收取任何收费用</a:t>
-            </a:r>
-            <a:r>
-              <a:rPr lang="zh-CN" altLang="en-US" sz="1200" smtClean="0">
-                <a:latin typeface="微软雅黑" panose="020B0503020204020204" pitchFamily="34" charset="-122"/>
-                <a:ea typeface="微软雅黑" panose="020B0503020204020204" pitchFamily="34" charset="-122"/>
-              </a:rPr>
-              <a:t>。</a:t>
-            </a:r>
-            <a:endParaRPr lang="zh-CN" altLang="en-US" sz="1200">
-              <a:latin typeface="微软雅黑" panose="020B0503020204020204" pitchFamily="34" charset="-122"/>
-              <a:ea typeface="微软雅黑" panose="020B0503020204020204" pitchFamily="34" charset="-122"/>
-            </a:endParaRPr>
+              <a:t>与我行合作平台不允许向客户收取任何收费用。</a:t>
+            </a:r>
           </a:p>
         </p:txBody>
       </p:sp>
@@ -13222,7 +12890,7 @@
 </file>
 
 <file path=ppt/slides/slide7.xml><?xml version="1.0" encoding="utf-8"?>
-<p:sld xmlns:a="http://schemas.openxmlformats.org/drawingml/2006/main" xmlns:r="http://schemas.openxmlformats.org/officeDocument/2006/relationships" xmlns:p="http://schemas.openxmlformats.org/presentationml/2006/main" show="0">
+<p:sld xmlns:a="http://schemas.openxmlformats.org/drawingml/2006/main" xmlns:r="http://schemas.openxmlformats.org/officeDocument/2006/relationships" xmlns:p="http://schemas.openxmlformats.org/presentationml/2006/main">
   <p:cSld>
     <p:spTree>
       <p:nvGrpSpPr>
@@ -13257,7 +12925,7 @@
           </a:ln>
           <a:extLst>
             <a:ext uri="{C572A759-6A51-4108-AA02-DFA0A04FC94B}">
-              <ma14:wrappingTextBoxFlag xmlns="" xmlns:ma14="http://schemas.microsoft.com/office/mac/drawingml/2011/main" val="1"/>
+              <ma14:wrappingTextBoxFlag xmlns:ma14="http://schemas.microsoft.com/office/mac/drawingml/2011/main" xmlns="" val="1"/>
             </a:ext>
           </a:extLst>
         </p:spPr>
@@ -13280,7 +12948,7 @@
           </a:lstStyle>
           <a:p>
             <a:r>
-              <a:rPr lang="zh-CN" altLang="en-US" smtClean="0">
+              <a:rPr lang="zh-CN" altLang="en-US">
                 <a:solidFill>
                   <a:schemeClr val="tx1"/>
                 </a:solidFill>
@@ -13288,7 +12956,7 @@
               <a:t>项目上报流程（</a:t>
             </a:r>
             <a:r>
-              <a:rPr lang="en-US" altLang="zh-CN" smtClean="0">
+              <a:rPr lang="en-US" altLang="zh-CN">
                 <a:solidFill>
                   <a:schemeClr val="tx1"/>
                 </a:solidFill>
@@ -13296,7 +12964,7 @@
               <a:t>1</a:t>
             </a:r>
             <a:r>
-              <a:rPr lang="zh-CN" altLang="en-US" smtClean="0">
+              <a:rPr lang="zh-CN" altLang="en-US">
                 <a:solidFill>
                   <a:schemeClr val="tx1"/>
                 </a:solidFill>
@@ -13399,7 +13067,7 @@
                   <a:spcPct val="150000"/>
                 </a:lnSpc>
               </a:pPr>
-              <a:endParaRPr lang="zh-CN" altLang="en-US" sz="1050" smtClean="0">
+              <a:endParaRPr lang="zh-CN" altLang="en-US" sz="1050">
                 <a:solidFill>
                   <a:schemeClr val="tx1"/>
                 </a:solidFill>
@@ -13453,7 +13121,7 @@
                   <a:spcPct val="150000"/>
                 </a:lnSpc>
               </a:pPr>
-              <a:endParaRPr lang="zh-CN" altLang="en-US" sz="1050" smtClean="0">
+              <a:endParaRPr lang="zh-CN" altLang="en-US" sz="1050">
                 <a:solidFill>
                   <a:schemeClr val="tx1"/>
                 </a:solidFill>
@@ -13507,7 +13175,7 @@
                   <a:spcPct val="150000"/>
                 </a:lnSpc>
               </a:pPr>
-              <a:endParaRPr lang="zh-CN" altLang="en-US" sz="1000" smtClean="0">
+              <a:endParaRPr lang="zh-CN" altLang="en-US" sz="1000">
                 <a:solidFill>
                   <a:schemeClr val="tx1"/>
                 </a:solidFill>
@@ -13604,7 +13272,7 @@
                   <a:spcPct val="150000"/>
                 </a:lnSpc>
               </a:pPr>
-              <a:endParaRPr lang="zh-CN" altLang="en-US" sz="1050" smtClean="0">
+              <a:endParaRPr lang="zh-CN" altLang="en-US" sz="1050">
                 <a:solidFill>
                   <a:schemeClr val="tx1"/>
                 </a:solidFill>
@@ -13660,7 +13328,7 @@
                   <a:spcPct val="150000"/>
                 </a:lnSpc>
               </a:pPr>
-              <a:endParaRPr lang="zh-CN" altLang="en-US" sz="1050" smtClean="0">
+              <a:endParaRPr lang="zh-CN" altLang="en-US" sz="1050">
                 <a:solidFill>
                   <a:schemeClr val="tx1"/>
                 </a:solidFill>
@@ -13716,7 +13384,7 @@
                   <a:spcPct val="150000"/>
                 </a:lnSpc>
               </a:pPr>
-              <a:endParaRPr lang="zh-CN" altLang="en-US" sz="1050" smtClean="0">
+              <a:endParaRPr lang="zh-CN" altLang="en-US" sz="1050">
                 <a:solidFill>
                   <a:schemeClr val="tx1"/>
                 </a:solidFill>
@@ -13917,13 +13585,13 @@
                 </a:lnSpc>
               </a:pPr>
               <a:r>
-                <a:rPr lang="zh-CN" altLang="en-US" sz="1050" smtClean="0">
+                <a:rPr lang="zh-CN" altLang="en-US" sz="1050">
                   <a:latin typeface="微软雅黑" panose="020B0503020204020204" pitchFamily="34" charset="-122"/>
                   <a:ea typeface="微软雅黑" panose="020B0503020204020204" pitchFamily="34" charset="-122"/>
                 </a:rPr>
                 <a:t>业务团队通过邮件形式向零售贷款部申报合作平台。</a:t>
               </a:r>
-              <a:endParaRPr lang="zh-CN" altLang="en-US" sz="1050" smtClean="0"/>
+              <a:endParaRPr lang="zh-CN" altLang="en-US" sz="1050"/>
             </a:p>
           </p:txBody>
         </p:sp>
@@ -13954,7 +13622,7 @@
                 </a:lnSpc>
               </a:pPr>
               <a:r>
-                <a:rPr lang="zh-CN" altLang="en-US" sz="1000" smtClean="0">
+                <a:rPr lang="zh-CN" altLang="en-US" sz="1000">
                   <a:latin typeface="微软雅黑" panose="020B0503020204020204" pitchFamily="34" charset="-122"/>
                   <a:ea typeface="微软雅黑" panose="020B0503020204020204" pitchFamily="34" charset="-122"/>
                 </a:rPr>
@@ -13990,21 +13658,21 @@
                 </a:lnSpc>
               </a:pPr>
               <a:r>
-                <a:rPr lang="zh-CN" altLang="en-US" sz="1000" smtClean="0">
+                <a:rPr lang="zh-CN" altLang="en-US" sz="1000">
                   <a:latin typeface="微软雅黑" panose="020B0503020204020204" pitchFamily="34" charset="-122"/>
                   <a:ea typeface="微软雅黑" panose="020B0503020204020204" pitchFamily="34" charset="-122"/>
                 </a:rPr>
                 <a:t>分行审核后上报总行网金</a:t>
               </a:r>
               <a:r>
-                <a:rPr lang="en-US" altLang="zh-CN" sz="1000" smtClean="0">
+                <a:rPr lang="en-US" altLang="zh-CN" sz="1000">
                   <a:latin typeface="微软雅黑" panose="020B0503020204020204" pitchFamily="34" charset="-122"/>
                   <a:ea typeface="微软雅黑" panose="020B0503020204020204" pitchFamily="34" charset="-122"/>
                 </a:rPr>
                 <a:t>BD</a:t>
               </a:r>
               <a:r>
-                <a:rPr lang="zh-CN" altLang="en-US" sz="1000" smtClean="0">
+                <a:rPr lang="zh-CN" altLang="en-US" sz="1000">
                   <a:latin typeface="微软雅黑" panose="020B0503020204020204" pitchFamily="34" charset="-122"/>
                   <a:ea typeface="微软雅黑" panose="020B0503020204020204" pitchFamily="34" charset="-122"/>
                 </a:rPr>
@@ -14040,14 +13708,14 @@
                 </a:lnSpc>
               </a:pPr>
               <a:r>
-                <a:rPr lang="zh-CN" altLang="en-US" sz="1000" smtClean="0">
+                <a:rPr lang="zh-CN" altLang="en-US" sz="1000">
                   <a:latin typeface="微软雅黑" panose="020B0503020204020204" pitchFamily="34" charset="-122"/>
                   <a:ea typeface="微软雅黑" panose="020B0503020204020204" pitchFamily="34" charset="-122"/>
                 </a:rPr>
                 <a:t>经办人按照要求提交</a:t>
               </a:r>
               <a:r>
-                <a:rPr lang="en-US" altLang="zh-CN" sz="1000" smtClean="0">
+                <a:rPr lang="en-US" altLang="zh-CN" sz="1000">
                   <a:latin typeface="微软雅黑" panose="020B0503020204020204" pitchFamily="34" charset="-122"/>
                   <a:ea typeface="微软雅黑" panose="020B0503020204020204" pitchFamily="34" charset="-122"/>
                 </a:rPr>
@@ -14058,14 +13726,7 @@
                   <a:latin typeface="微软雅黑" panose="020B0503020204020204" pitchFamily="34" charset="-122"/>
                   <a:ea typeface="微软雅黑" panose="020B0503020204020204" pitchFamily="34" charset="-122"/>
                 </a:rPr>
-                <a:t>立</a:t>
-              </a:r>
-              <a:r>
-                <a:rPr lang="zh-CN" altLang="en-US" sz="1000" smtClean="0">
-                  <a:latin typeface="微软雅黑" panose="020B0503020204020204" pitchFamily="34" charset="-122"/>
-                  <a:ea typeface="微软雅黑" panose="020B0503020204020204" pitchFamily="34" charset="-122"/>
-                </a:rPr>
-                <a:t>项申请。</a:t>
+                <a:t>立项申请。</a:t>
               </a:r>
             </a:p>
           </p:txBody>
@@ -14097,7 +13758,7 @@
                 </a:lnSpc>
               </a:pPr>
               <a:r>
-                <a:rPr lang="zh-CN" altLang="en-US" sz="1000" smtClean="0">
+                <a:rPr lang="zh-CN" altLang="en-US" sz="1000">
                   <a:latin typeface="微软雅黑" panose="020B0503020204020204" pitchFamily="34" charset="-122"/>
                   <a:ea typeface="微软雅黑" panose="020B0503020204020204" pitchFamily="34" charset="-122"/>
                 </a:rPr>
@@ -14133,13 +13794,13 @@
                 </a:lnSpc>
               </a:pPr>
               <a:r>
-                <a:rPr lang="zh-CN" altLang="en-US" sz="1000" smtClean="0">
+                <a:rPr lang="zh-CN" altLang="en-US" sz="1000">
                   <a:latin typeface="微软雅黑" panose="020B0503020204020204" pitchFamily="34" charset="-122"/>
                   <a:ea typeface="微软雅黑" panose="020B0503020204020204" pitchFamily="34" charset="-122"/>
                 </a:rPr>
                 <a:t>不满足产能要求的平台定期清退。</a:t>
               </a:r>
-              <a:endParaRPr lang="en-US" altLang="zh-CN" sz="1000" smtClean="0">
+              <a:endParaRPr lang="en-US" altLang="zh-CN" sz="1000">
                 <a:latin typeface="微软雅黑" panose="020B0503020204020204" pitchFamily="34" charset="-122"/>
                 <a:ea typeface="微软雅黑" panose="020B0503020204020204" pitchFamily="34" charset="-122"/>
               </a:endParaRPr>
@@ -14151,7 +13812,7 @@
                 </a:lnSpc>
               </a:pPr>
               <a:r>
-                <a:rPr lang="zh-CN" altLang="en-US" sz="1000" smtClean="0">
+                <a:rPr lang="zh-CN" altLang="en-US" sz="1000">
                   <a:latin typeface="微软雅黑" panose="020B0503020204020204" pitchFamily="34" charset="-122"/>
                   <a:ea typeface="微软雅黑" panose="020B0503020204020204" pitchFamily="34" charset="-122"/>
                 </a:rPr>
@@ -14187,16 +13848,12 @@
             <a:lstStyle/>
             <a:p>
               <a:r>
-                <a:rPr lang="zh-CN" altLang="en-US" sz="1200" b="1" smtClean="0">
+                <a:rPr lang="zh-CN" altLang="en-US" sz="1200" b="1">
                   <a:latin typeface="微软雅黑" pitchFamily="34" charset="-122"/>
                   <a:ea typeface="微软雅黑" pitchFamily="34" charset="-122"/>
                 </a:rPr>
                 <a:t>①项目申报</a:t>
               </a:r>
-              <a:endParaRPr lang="zh-CN" altLang="en-US" sz="1200" b="1">
-                <a:latin typeface="微软雅黑" pitchFamily="34" charset="-122"/>
-                <a:ea typeface="微软雅黑" pitchFamily="34" charset="-122"/>
-              </a:endParaRPr>
             </a:p>
           </p:txBody>
         </p:sp>
@@ -14263,16 +13920,12 @@
             <a:lstStyle/>
             <a:p>
               <a:r>
-                <a:rPr lang="zh-CN" altLang="en-US" sz="1200" b="1" smtClean="0">
+                <a:rPr lang="zh-CN" altLang="en-US" sz="1200" b="1">
                   <a:latin typeface="微软雅黑" pitchFamily="34" charset="-122"/>
                   <a:ea typeface="微软雅黑" pitchFamily="34" charset="-122"/>
                 </a:rPr>
                 <a:t>③上报总行</a:t>
               </a:r>
-              <a:endParaRPr lang="zh-CN" altLang="en-US" sz="1200" b="1">
-                <a:latin typeface="微软雅黑" pitchFamily="34" charset="-122"/>
-                <a:ea typeface="微软雅黑" pitchFamily="34" charset="-122"/>
-              </a:endParaRPr>
             </a:p>
           </p:txBody>
         </p:sp>
@@ -14303,16 +13956,12 @@
             <a:lstStyle/>
             <a:p>
               <a:r>
-                <a:rPr lang="zh-CN" altLang="en-US" sz="1200" b="1" smtClean="0">
+                <a:rPr lang="zh-CN" altLang="en-US" sz="1200" b="1">
                   <a:latin typeface="微软雅黑" pitchFamily="34" charset="-122"/>
                   <a:ea typeface="微软雅黑" pitchFamily="34" charset="-122"/>
                 </a:rPr>
                 <a:t>④立项申请</a:t>
               </a:r>
-              <a:endParaRPr lang="zh-CN" altLang="en-US" sz="1200" b="1">
-                <a:latin typeface="微软雅黑" pitchFamily="34" charset="-122"/>
-                <a:ea typeface="微软雅黑" pitchFamily="34" charset="-122"/>
-              </a:endParaRPr>
             </a:p>
           </p:txBody>
         </p:sp>
@@ -14343,16 +13992,12 @@
             <a:lstStyle/>
             <a:p>
               <a:r>
-                <a:rPr lang="zh-CN" altLang="en-US" sz="1200" b="1" smtClean="0">
+                <a:rPr lang="zh-CN" altLang="en-US" sz="1200" b="1">
                   <a:latin typeface="微软雅黑" pitchFamily="34" charset="-122"/>
                   <a:ea typeface="微软雅黑" pitchFamily="34" charset="-122"/>
                 </a:rPr>
                 <a:t>⑤项目上线</a:t>
               </a:r>
-              <a:endParaRPr lang="zh-CN" altLang="en-US" sz="1200" b="1">
-                <a:latin typeface="微软雅黑" pitchFamily="34" charset="-122"/>
-                <a:ea typeface="微软雅黑" pitchFamily="34" charset="-122"/>
-              </a:endParaRPr>
             </a:p>
           </p:txBody>
         </p:sp>
@@ -14383,30 +14028,12 @@
             <a:lstStyle/>
             <a:p>
               <a:r>
-                <a:rPr lang="zh-CN" altLang="en-US" sz="1200" b="1" smtClean="0">
-                  <a:latin typeface="微软雅黑" pitchFamily="34" charset="-122"/>
-                  <a:ea typeface="微软雅黑" pitchFamily="34" charset="-122"/>
-                </a:rPr>
-                <a:t>⑥</a:t>
-              </a:r>
-              <a:r>
                 <a:rPr lang="zh-CN" altLang="en-US" sz="1200" b="1">
                   <a:latin typeface="微软雅黑" pitchFamily="34" charset="-122"/>
                   <a:ea typeface="微软雅黑" pitchFamily="34" charset="-122"/>
                 </a:rPr>
-                <a:t>平</a:t>
+                <a:t>⑥平台管理</a:t>
               </a:r>
-              <a:r>
-                <a:rPr lang="zh-CN" altLang="en-US" sz="1200" b="1" smtClean="0">
-                  <a:latin typeface="微软雅黑" pitchFamily="34" charset="-122"/>
-                  <a:ea typeface="微软雅黑" pitchFamily="34" charset="-122"/>
-                </a:rPr>
-                <a:t>台管理</a:t>
-              </a:r>
-              <a:endParaRPr lang="zh-CN" altLang="en-US" sz="1200" b="1">
-                <a:latin typeface="微软雅黑" pitchFamily="34" charset="-122"/>
-                <a:ea typeface="微软雅黑" pitchFamily="34" charset="-122"/>
-              </a:endParaRPr>
             </a:p>
           </p:txBody>
         </p:sp>
@@ -14426,7 +14053,7 @@
 </file>
 
 <file path=ppt/slides/slide8.xml><?xml version="1.0" encoding="utf-8"?>
-<p:sld xmlns:a="http://schemas.openxmlformats.org/drawingml/2006/main" xmlns:r="http://schemas.openxmlformats.org/officeDocument/2006/relationships" xmlns:p="http://schemas.openxmlformats.org/presentationml/2006/main" show="0">
+<p:sld xmlns:a="http://schemas.openxmlformats.org/drawingml/2006/main" xmlns:r="http://schemas.openxmlformats.org/officeDocument/2006/relationships" xmlns:p="http://schemas.openxmlformats.org/presentationml/2006/main">
   <p:cSld>
     <p:spTree>
       <p:nvGrpSpPr>
@@ -14461,7 +14088,7 @@
           </a:ln>
           <a:extLst>
             <a:ext uri="{C572A759-6A51-4108-AA02-DFA0A04FC94B}">
-              <ma14:wrappingTextBoxFlag xmlns="" xmlns:ma14="http://schemas.microsoft.com/office/mac/drawingml/2011/main" val="1"/>
+              <ma14:wrappingTextBoxFlag xmlns:ma14="http://schemas.microsoft.com/office/mac/drawingml/2011/main" xmlns="" val="1"/>
             </a:ext>
           </a:extLst>
         </p:spPr>
@@ -14484,7 +14111,7 @@
           </a:lstStyle>
           <a:p>
             <a:r>
-              <a:rPr lang="zh-CN" altLang="en-US" smtClean="0">
+              <a:rPr lang="zh-CN" altLang="en-US">
                 <a:solidFill>
                   <a:schemeClr val="tx1"/>
                 </a:solidFill>
@@ -14557,7 +14184,7 @@
               <a:buChar char="Ø"/>
             </a:pPr>
             <a:r>
-              <a:rPr lang="zh-CN" altLang="en-US" sz="1400" smtClean="0">
+              <a:rPr lang="zh-CN" altLang="en-US" sz="1400">
                 <a:latin typeface="微软雅黑" panose="020B0503020204020204" pitchFamily="34" charset="-122"/>
                 <a:ea typeface="微软雅黑" panose="020B0503020204020204" pitchFamily="34" charset="-122"/>
               </a:rPr>
@@ -14577,18 +14204,11 @@
               <a:buChar char="p"/>
             </a:pPr>
             <a:r>
-              <a:rPr lang="zh-CN" altLang="zh-CN" sz="1400" smtClean="0">
-                <a:latin typeface="微软雅黑" panose="020B0503020204020204" pitchFamily="34" charset="-122"/>
-                <a:ea typeface="微软雅黑" panose="020B0503020204020204" pitchFamily="34" charset="-122"/>
-              </a:rPr>
-              <a:t>平</a:t>
-            </a:r>
-            <a:r>
               <a:rPr lang="zh-CN" altLang="zh-CN" sz="1400">
                 <a:latin typeface="微软雅黑" panose="020B0503020204020204" pitchFamily="34" charset="-122"/>
                 <a:ea typeface="微软雅黑" panose="020B0503020204020204" pitchFamily="34" charset="-122"/>
               </a:rPr>
-              <a:t>台上线后次月起</a:t>
+              <a:t>平台上线后次月起</a:t>
             </a:r>
             <a:r>
               <a:rPr lang="zh-CN" altLang="zh-CN" sz="1400" b="1">
@@ -14630,16 +14250,9 @@
                 <a:latin typeface="微软雅黑" panose="020B0503020204020204" pitchFamily="34" charset="-122"/>
                 <a:ea typeface="微软雅黑" panose="020B0503020204020204" pitchFamily="34" charset="-122"/>
               </a:rPr>
-              <a:t>，做清退处理</a:t>
-            </a:r>
-            <a:r>
-              <a:rPr lang="zh-CN" altLang="zh-CN" sz="1400" smtClean="0">
-                <a:latin typeface="微软雅黑" panose="020B0503020204020204" pitchFamily="34" charset="-122"/>
-                <a:ea typeface="微软雅黑" panose="020B0503020204020204" pitchFamily="34" charset="-122"/>
-              </a:rPr>
-              <a:t>；</a:t>
-            </a:r>
-            <a:endParaRPr lang="en-US" altLang="zh-CN" sz="1400" smtClean="0">
+              <a:t>，做清退处理；</a:t>
+            </a:r>
+            <a:endParaRPr lang="en-US" altLang="zh-CN" sz="1400">
               <a:latin typeface="微软雅黑" panose="020B0503020204020204" pitchFamily="34" charset="-122"/>
               <a:ea typeface="微软雅黑" panose="020B0503020204020204" pitchFamily="34" charset="-122"/>
             </a:endParaRPr>
@@ -14653,18 +14266,11 @@
               <a:buChar char="p"/>
             </a:pPr>
             <a:r>
-              <a:rPr lang="zh-CN" altLang="zh-CN" sz="1400" smtClean="0">
-                <a:latin typeface="微软雅黑" panose="020B0503020204020204" pitchFamily="34" charset="-122"/>
-                <a:ea typeface="微软雅黑" panose="020B0503020204020204" pitchFamily="34" charset="-122"/>
-              </a:rPr>
-              <a:t>试</a:t>
-            </a:r>
-            <a:r>
               <a:rPr lang="zh-CN" altLang="zh-CN" sz="1400">
                 <a:latin typeface="微软雅黑" panose="020B0503020204020204" pitchFamily="34" charset="-122"/>
                 <a:ea typeface="微软雅黑" panose="020B0503020204020204" pitchFamily="34" charset="-122"/>
               </a:rPr>
-              <a:t>运营期以后，以</a:t>
+              <a:t>试运营期以后，以</a:t>
             </a:r>
             <a:r>
               <a:rPr lang="en-US" altLang="zh-CN" sz="1400" b="1">
@@ -14713,19 +14319,8 @@
                 <a:latin typeface="微软雅黑" panose="020B0503020204020204" pitchFamily="34" charset="-122"/>
                 <a:ea typeface="微软雅黑" panose="020B0503020204020204" pitchFamily="34" charset="-122"/>
               </a:rPr>
-              <a:t>，做清退处理</a:t>
-            </a:r>
-            <a:r>
-              <a:rPr lang="zh-CN" altLang="zh-CN" sz="1400" smtClean="0">
-                <a:latin typeface="微软雅黑" panose="020B0503020204020204" pitchFamily="34" charset="-122"/>
-                <a:ea typeface="微软雅黑" panose="020B0503020204020204" pitchFamily="34" charset="-122"/>
-              </a:rPr>
-              <a:t>。</a:t>
-            </a:r>
-            <a:endParaRPr lang="zh-CN" altLang="zh-CN" sz="1400">
-              <a:latin typeface="微软雅黑" panose="020B0503020204020204" pitchFamily="34" charset="-122"/>
-              <a:ea typeface="微软雅黑" panose="020B0503020204020204" pitchFamily="34" charset="-122"/>
-            </a:endParaRPr>
+              <a:t>，做清退处理。</a:t>
+            </a:r>
           </a:p>
         </p:txBody>
       </p:sp>
@@ -15370,7 +14965,7 @@
   <a:extraClrSchemeLst/>
   <a:extLst>
     <a:ext uri="{05A4C25C-085E-4340-85A3-A5531E510DB2}">
-      <thm15:themeFamily xmlns="" xmlns:thm15="http://schemas.microsoft.com/office/thememl/2012/main" name="Office Theme" id="{62F939B6-93AF-4DB8-9C6B-D6C7DFDC589F}" vid="{4A3C46E8-61CC-4603-A589-7422A47A8E4A}"/>
+      <thm15:themeFamily xmlns:thm15="http://schemas.microsoft.com/office/thememl/2012/main" name="Office Theme" id="{62F939B6-93AF-4DB8-9C6B-D6C7DFDC589F}" vid="{4A3C46E8-61CC-4603-A589-7422A47A8E4A}"/>
     </a:ext>
   </a:extLst>
 </a:theme>
